--- a/ppt/UTS_PPT_KELOMPOK_6.pptx
+++ b/ppt/UTS_PPT_KELOMPOK_6.pptx
@@ -5,7 +5,7 @@
     <p:sldMasterId id="2147483683" r:id="rId1"/>
   </p:sldMasterIdLst>
   <p:notesMasterIdLst>
-    <p:notesMasterId r:id="rId11"/>
+    <p:notesMasterId r:id="rId12"/>
   </p:notesMasterIdLst>
   <p:sldIdLst>
     <p:sldId id="256" r:id="rId2"/>
@@ -16,22 +16,23 @@
     <p:sldId id="258" r:id="rId7"/>
     <p:sldId id="259" r:id="rId8"/>
     <p:sldId id="308" r:id="rId9"/>
-    <p:sldId id="260" r:id="rId10"/>
+    <p:sldId id="309" r:id="rId10"/>
+    <p:sldId id="260" r:id="rId11"/>
   </p:sldIdLst>
   <p:sldSz cx="9144000" cy="5143500" type="screen16x9"/>
   <p:notesSz cx="6858000" cy="9144000"/>
   <p:embeddedFontLst>
     <p:embeddedFont>
       <p:font typeface="Montserrat" panose="00000500000000000000" pitchFamily="2" charset="0"/>
-      <p:regular r:id="rId12"/>
-      <p:bold r:id="rId13"/>
-      <p:italic r:id="rId14"/>
-      <p:boldItalic r:id="rId15"/>
+      <p:regular r:id="rId13"/>
+      <p:bold r:id="rId14"/>
+      <p:italic r:id="rId15"/>
+      <p:boldItalic r:id="rId16"/>
     </p:embeddedFont>
     <p:embeddedFont>
       <p:font typeface="Montserrat ExtraBold" panose="00000900000000000000" pitchFamily="2" charset="0"/>
-      <p:bold r:id="rId16"/>
-      <p:boldItalic r:id="rId17"/>
+      <p:bold r:id="rId17"/>
+      <p:boldItalic r:id="rId18"/>
     </p:embeddedFont>
   </p:embeddedFontLst>
   <p:defaultTextStyle>
@@ -816,6 +817,110 @@
 </p:notes>
 </file>
 
+<file path=ppt/notesSlides/notesSlide10.xml><?xml version="1.0" encoding="utf-8"?>
+<p:notes xmlns:a="http://schemas.openxmlformats.org/drawingml/2006/main" xmlns:r="http://schemas.openxmlformats.org/officeDocument/2006/relationships" xmlns:p="http://schemas.openxmlformats.org/presentationml/2006/main" showMasterSp="0" showMasterPhAnim="0">
+  <p:cSld>
+    <p:spTree>
+      <p:nvGrpSpPr>
+        <p:cNvPr id="1" name="Shape 196"/>
+        <p:cNvGrpSpPr/>
+        <p:nvPr/>
+      </p:nvGrpSpPr>
+      <p:grpSpPr>
+        <a:xfrm>
+          <a:off x="0" y="0"/>
+          <a:ext cx="0" cy="0"/>
+          <a:chOff x="0" y="0"/>
+          <a:chExt cx="0" cy="0"/>
+        </a:xfrm>
+      </p:grpSpPr>
+      <p:sp>
+        <p:nvSpPr>
+          <p:cNvPr id="197" name="Google Shape;197;g7290233416_0_7:notes"/>
+          <p:cNvSpPr>
+            <a:spLocks noGrp="1" noRot="1" noChangeAspect="1"/>
+          </p:cNvSpPr>
+          <p:nvPr>
+            <p:ph type="sldImg" idx="2"/>
+          </p:nvPr>
+        </p:nvSpPr>
+        <p:spPr>
+          <a:xfrm>
+            <a:off x="381000" y="685800"/>
+            <a:ext cx="6096000" cy="3429000"/>
+          </a:xfrm>
+          <a:custGeom>
+            <a:avLst/>
+            <a:gdLst/>
+            <a:ahLst/>
+            <a:cxnLst/>
+            <a:rect l="l" t="t" r="r" b="b"/>
+            <a:pathLst>
+              <a:path w="120000" h="120000" extrusionOk="0">
+                <a:moveTo>
+                  <a:pt x="0" y="0"/>
+                </a:moveTo>
+                <a:lnTo>
+                  <a:pt x="120000" y="0"/>
+                </a:lnTo>
+                <a:lnTo>
+                  <a:pt x="120000" y="120000"/>
+                </a:lnTo>
+                <a:lnTo>
+                  <a:pt x="0" y="120000"/>
+                </a:lnTo>
+                <a:close/>
+              </a:path>
+            </a:pathLst>
+          </a:custGeom>
+        </p:spPr>
+      </p:sp>
+      <p:sp>
+        <p:nvSpPr>
+          <p:cNvPr id="198" name="Google Shape;198;g7290233416_0_7:notes"/>
+          <p:cNvSpPr txBox="1">
+            <a:spLocks noGrp="1"/>
+          </p:cNvSpPr>
+          <p:nvPr>
+            <p:ph type="body" idx="1"/>
+          </p:nvPr>
+        </p:nvSpPr>
+        <p:spPr>
+          <a:xfrm>
+            <a:off x="685800" y="4343400"/>
+            <a:ext cx="5486400" cy="4114800"/>
+          </a:xfrm>
+          <a:prstGeom prst="rect">
+            <a:avLst/>
+          </a:prstGeom>
+        </p:spPr>
+        <p:txBody>
+          <a:bodyPr spcFirstLastPara="1" wrap="square" lIns="91425" tIns="91425" rIns="91425" bIns="91425" anchor="t" anchorCtr="0">
+            <a:noAutofit/>
+          </a:bodyPr>
+          <a:lstStyle/>
+          <a:p>
+            <a:pPr marL="0" lvl="0" indent="0" algn="l" rtl="0">
+              <a:spcBef>
+                <a:spcPts val="0"/>
+              </a:spcBef>
+              <a:spcAft>
+                <a:spcPts val="0"/>
+              </a:spcAft>
+              <a:buNone/>
+            </a:pPr>
+            <a:endParaRPr/>
+          </a:p>
+        </p:txBody>
+      </p:sp>
+    </p:spTree>
+  </p:cSld>
+  <p:clrMapOvr>
+    <a:masterClrMapping/>
+  </p:clrMapOvr>
+</p:notes>
+</file>
+
 <file path=ppt/notesSlides/notesSlide2.xml><?xml version="1.0" encoding="utf-8"?>
 <p:notes xmlns:a="http://schemas.openxmlformats.org/drawingml/2006/main" xmlns:r="http://schemas.openxmlformats.org/officeDocument/2006/relationships" xmlns:p="http://schemas.openxmlformats.org/presentationml/2006/main" showMasterSp="0" showMasterPhAnim="0">
   <p:cSld>
@@ -1641,7 +1746,13 @@
   <p:cSld>
     <p:spTree>
       <p:nvGrpSpPr>
-        <p:cNvPr id="1" name="Shape 196"/>
+        <p:cNvPr id="1" name="Shape 190">
+          <a:extLst>
+            <a:ext uri="{FF2B5EF4-FFF2-40B4-BE49-F238E27FC236}">
+              <a16:creationId xmlns:a16="http://schemas.microsoft.com/office/drawing/2014/main" id="{0076D3CF-7F73-DC81-4989-D606D5FD3E80}"/>
+            </a:ext>
+          </a:extLst>
+        </p:cNvPr>
         <p:cNvGrpSpPr/>
         <p:nvPr/>
       </p:nvGrpSpPr>
@@ -1655,7 +1766,13 @@
       </p:grpSpPr>
       <p:sp>
         <p:nvSpPr>
-          <p:cNvPr id="197" name="Google Shape;197;g7290233416_0_7:notes"/>
+          <p:cNvPr id="191" name="Google Shape;191;g7290233416_0_2:notes">
+            <a:extLst>
+              <a:ext uri="{FF2B5EF4-FFF2-40B4-BE49-F238E27FC236}">
+                <a16:creationId xmlns:a16="http://schemas.microsoft.com/office/drawing/2014/main" id="{06BDF0E0-937F-C45F-D69C-B27819DE1536}"/>
+              </a:ext>
+            </a:extLst>
+          </p:cNvPr>
           <p:cNvSpPr>
             <a:spLocks noGrp="1" noRot="1" noChangeAspect="1"/>
           </p:cNvSpPr>
@@ -1696,7 +1813,13 @@
       </p:sp>
       <p:sp>
         <p:nvSpPr>
-          <p:cNvPr id="198" name="Google Shape;198;g7290233416_0_7:notes"/>
+          <p:cNvPr id="192" name="Google Shape;192;g7290233416_0_2:notes">
+            <a:extLst>
+              <a:ext uri="{FF2B5EF4-FFF2-40B4-BE49-F238E27FC236}">
+                <a16:creationId xmlns:a16="http://schemas.microsoft.com/office/drawing/2014/main" id="{B6C49BE1-2851-B10C-9275-6D9B105692E1}"/>
+              </a:ext>
+            </a:extLst>
+          </p:cNvPr>
           <p:cNvSpPr txBox="1">
             <a:spLocks noGrp="1"/>
           </p:cNvSpPr>
@@ -1733,6 +1856,11 @@
         </p:txBody>
       </p:sp>
     </p:spTree>
+    <p:extLst>
+      <p:ext uri="{BB962C8B-B14F-4D97-AF65-F5344CB8AC3E}">
+        <p14:creationId xmlns:p14="http://schemas.microsoft.com/office/powerpoint/2010/main" val="1362368499"/>
+      </p:ext>
+    </p:extLst>
   </p:cSld>
   <p:clrMapOvr>
     <a:masterClrMapping/>
@@ -7444,6 +7572,73 @@
 </p:sld>
 </file>
 
+<file path=ppt/slides/slide10.xml><?xml version="1.0" encoding="utf-8"?>
+<p:sld xmlns:a="http://schemas.openxmlformats.org/drawingml/2006/main" xmlns:r="http://schemas.openxmlformats.org/officeDocument/2006/relationships" xmlns:p="http://schemas.openxmlformats.org/presentationml/2006/main">
+  <p:cSld>
+    <p:spTree>
+      <p:nvGrpSpPr>
+        <p:cNvPr id="1" name="Shape 199"/>
+        <p:cNvGrpSpPr/>
+        <p:nvPr/>
+      </p:nvGrpSpPr>
+      <p:grpSpPr>
+        <a:xfrm>
+          <a:off x="0" y="0"/>
+          <a:ext cx="0" cy="0"/>
+          <a:chOff x="0" y="0"/>
+          <a:chExt cx="0" cy="0"/>
+        </a:xfrm>
+      </p:grpSpPr>
+      <p:sp>
+        <p:nvSpPr>
+          <p:cNvPr id="201" name="Google Shape;201;p42"/>
+          <p:cNvSpPr txBox="1">
+            <a:spLocks noGrp="1"/>
+          </p:cNvSpPr>
+          <p:nvPr>
+            <p:ph type="ctrTitle"/>
+          </p:nvPr>
+        </p:nvSpPr>
+        <p:spPr>
+          <a:xfrm>
+            <a:off x="1850550" y="2396747"/>
+            <a:ext cx="5442900" cy="863811"/>
+          </a:xfrm>
+          <a:prstGeom prst="rect">
+            <a:avLst/>
+          </a:prstGeom>
+        </p:spPr>
+        <p:txBody>
+          <a:bodyPr spcFirstLastPara="1" wrap="square" lIns="91425" tIns="91425" rIns="91425" bIns="91425" anchor="t" anchorCtr="0">
+            <a:noAutofit/>
+          </a:bodyPr>
+          <a:lstStyle/>
+          <a:p>
+            <a:pPr marL="0" lvl="0" indent="0" algn="ctr" rtl="0">
+              <a:spcBef>
+                <a:spcPts val="0"/>
+              </a:spcBef>
+              <a:spcAft>
+                <a:spcPts val="0"/>
+              </a:spcAft>
+              <a:buNone/>
+            </a:pPr>
+            <a:r>
+              <a:rPr lang="en" dirty="0"/>
+              <a:t>TERIMAKASIH</a:t>
+            </a:r>
+            <a:endParaRPr dirty="0"/>
+          </a:p>
+        </p:txBody>
+      </p:sp>
+    </p:spTree>
+  </p:cSld>
+  <p:clrMapOvr>
+    <a:masterClrMapping/>
+  </p:clrMapOvr>
+</p:sld>
+</file>
+
 <file path=ppt/slides/slide2.xml><?xml version="1.0" encoding="utf-8"?>
 <p:sld xmlns:a="http://schemas.openxmlformats.org/drawingml/2006/main" xmlns:r="http://schemas.openxmlformats.org/officeDocument/2006/relationships" xmlns:p="http://schemas.openxmlformats.org/presentationml/2006/main">
   <p:cSld>
@@ -7515,8 +7710,8 @@
         </p:nvSpPr>
         <p:spPr>
           <a:xfrm>
-            <a:off x="938500" y="1246025"/>
-            <a:ext cx="7172100" cy="3039900"/>
+            <a:off x="938500" y="1246024"/>
+            <a:ext cx="7172100" cy="3340263"/>
           </a:xfrm>
           <a:prstGeom prst="rect">
             <a:avLst/>
@@ -7528,102 +7723,57 @@
           </a:bodyPr>
           <a:lstStyle/>
           <a:p>
-            <a:pPr marL="0" lvl="0" indent="0" algn="l" rtl="0">
-              <a:spcBef>
-                <a:spcPts val="0"/>
-              </a:spcBef>
-              <a:spcAft>
-                <a:spcPts val="0"/>
-              </a:spcAft>
+            <a:pPr marL="0" indent="0">
               <a:buNone/>
             </a:pPr>
             <a:r>
-              <a:rPr lang="en-US" sz="2000" b="1" dirty="0"/>
+              <a:rPr lang="en-US" sz="1600" b="1" dirty="0"/>
               <a:t>Latar </a:t>
             </a:r>
             <a:r>
-              <a:rPr lang="en-US" sz="2000" b="1" dirty="0" err="1"/>
+              <a:rPr lang="en-US" sz="1600" b="1" dirty="0" err="1"/>
               <a:t>Belakang</a:t>
             </a:r>
             <a:r>
-              <a:rPr lang="en-US" sz="2000" b="1" dirty="0"/>
+              <a:rPr lang="en-US" sz="1600" b="1" dirty="0"/>
               <a:t>  Masalah</a:t>
             </a:r>
           </a:p>
           <a:p>
-            <a:pPr marL="0" lvl="0" indent="0" algn="l" rtl="0">
-              <a:spcBef>
-                <a:spcPts val="0"/>
-              </a:spcBef>
-              <a:spcAft>
-                <a:spcPts val="0"/>
-              </a:spcAft>
-              <a:buNone/>
-            </a:pPr>
-            <a:endParaRPr lang="en-US" dirty="0"/>
+            <a:pPr marL="171450" indent="-171450"/>
+            <a:endParaRPr lang="en-US" sz="1600" dirty="0"/>
           </a:p>
           <a:p>
-            <a:pPr marL="228600" lvl="0" indent="-228600" algn="l" rtl="0">
-              <a:spcBef>
-                <a:spcPts val="0"/>
-              </a:spcBef>
-              <a:spcAft>
-                <a:spcPts val="0"/>
-              </a:spcAft>
-              <a:buAutoNum type="arabicPeriod"/>
-            </a:pPr>
+            <a:pPr algn="just"/>
             <a:r>
               <a:rPr lang="id-ID" sz="1600" dirty="0"/>
-              <a:t>Pelanggan menginginkan layanan yang lebih cepat, responsif, dan efisien, sementara operasional manual memiliki keterbatasan.</a:t>
+              <a:t>Perkembangan teknologi mendorong industri kuliner untuk bertransformasi dalam pelayanan pemesanan makanan.</a:t>
+            </a:r>
+          </a:p>
+          <a:p>
+            <a:pPr algn="just"/>
+            <a:r>
+              <a:rPr lang="id-ID" sz="1600" dirty="0"/>
+              <a:t>Pelanggan menginginkan layanan yang lebih cepat, efisien, dan personal tanpa antrean panjang atau kesalahan dalam pemesanan.</a:t>
+            </a:r>
+          </a:p>
+          <a:p>
+            <a:pPr algn="just"/>
+            <a:r>
+              <a:rPr lang="id-ID" sz="1600" dirty="0"/>
+              <a:t>Banyak rumah makan masih bergantung pada sistem manual yang berpotensi menyebabkan keterlambatan layanan dan menurunkan pengalaman pelanggan.</a:t>
             </a:r>
             <a:endParaRPr lang="en-US" sz="1600" dirty="0"/>
           </a:p>
           <a:p>
-            <a:pPr marL="228600" lvl="0" indent="-228600" algn="l" rtl="0">
-              <a:spcBef>
-                <a:spcPts val="0"/>
-              </a:spcBef>
-              <a:spcAft>
-                <a:spcPts val="0"/>
-              </a:spcAft>
-              <a:buAutoNum type="arabicPeriod"/>
-            </a:pPr>
+            <a:pPr algn="just"/>
             <a:r>
               <a:rPr lang="id-ID" sz="1600" dirty="0"/>
-              <a:t>Meningkatkan kualitas pelayanan dan efisiensi operasional Rumah Makan Saung </a:t>
+              <a:t>Memberikan rekomendasi makanan yang lebih sesuai dengan selera pelanggan.</a:t>
             </a:r>
-            <a:r>
-              <a:rPr lang="id-ID" sz="1600" dirty="0" err="1"/>
-              <a:t>Biung</a:t>
-            </a:r>
-            <a:r>
-              <a:rPr lang="id-ID" sz="1600" dirty="0"/>
-              <a:t> agar tetap kompetitif di era digital.</a:t>
-            </a:r>
-            <a:endParaRPr lang="en-US" sz="1600" dirty="0"/>
           </a:p>
           <a:p>
-            <a:pPr marL="228600" lvl="0" indent="-228600" algn="l" rtl="0">
-              <a:spcBef>
-                <a:spcPts val="0"/>
-              </a:spcBef>
-              <a:spcAft>
-                <a:spcPts val="0"/>
-              </a:spcAft>
-              <a:buAutoNum type="arabicPeriod"/>
-            </a:pPr>
-            <a:r>
-              <a:rPr lang="id-ID" sz="1600" dirty="0"/>
-              <a:t>Menggunakan teknologi AI</a:t>
-            </a:r>
-            <a:r>
-              <a:rPr lang="en-US" sz="1600" dirty="0"/>
-              <a:t> (Chatbot)</a:t>
-            </a:r>
-            <a:r>
-              <a:rPr lang="id-ID" sz="1600" dirty="0"/>
-              <a:t> rekomendasi menu, dan layanan pelanggan.</a:t>
-            </a:r>
+            <a:pPr marL="171450" indent="-171450"/>
             <a:endParaRPr lang="en-US" sz="1600" dirty="0"/>
           </a:p>
         </p:txBody>
@@ -7781,11 +7931,19 @@
               <a:buNone/>
             </a:pPr>
             <a:r>
-              <a:rPr lang="en-US" sz="2000" b="1" dirty="0" err="1"/>
+              <a:rPr lang="en-US" sz="1600" b="1" dirty="0" err="1">
+                <a:solidFill>
+                  <a:schemeClr val="bg1"/>
+                </a:solidFill>
+              </a:rPr>
               <a:t>Rumusan</a:t>
             </a:r>
             <a:r>
-              <a:rPr lang="en-US" sz="2000" b="1" dirty="0"/>
+              <a:rPr lang="en-US" sz="1600" b="1" dirty="0">
+                <a:solidFill>
+                  <a:schemeClr val="bg1"/>
+                </a:solidFill>
+              </a:rPr>
               <a:t> Masalah</a:t>
             </a:r>
           </a:p>
@@ -7799,347 +7957,86 @@
               </a:spcAft>
               <a:buNone/>
             </a:pPr>
-            <a:endParaRPr lang="en-US" dirty="0"/>
+            <a:endParaRPr lang="en-US" sz="1600" dirty="0">
+              <a:solidFill>
+                <a:schemeClr val="bg1"/>
+              </a:solidFill>
+            </a:endParaRPr>
           </a:p>
           <a:p>
-            <a:pPr marL="228600" indent="-228600">
-              <a:buFont typeface="Montserrat"/>
+            <a:pPr marL="342900" marR="0" lvl="0" indent="-342900" algn="just" fontAlgn="base">
+              <a:lnSpc>
+                <a:spcPct val="152000"/>
+              </a:lnSpc>
+              <a:spcAft>
+                <a:spcPts val="265"/>
+              </a:spcAft>
+              <a:buClr>
+                <a:schemeClr val="bg1"/>
+              </a:buClr>
+              <a:buSzPts val="1200"/>
+              <a:buFont typeface="+mj-lt"/>
               <a:buAutoNum type="arabicPeriod"/>
             </a:pPr>
             <a:r>
-              <a:rPr lang="en-US" sz="1800" dirty="0" err="1">
+              <a:rPr lang="id-ID" sz="1600" u="none" strike="noStrike" kern="100" dirty="0">
+                <a:solidFill>
+                  <a:schemeClr val="bg1"/>
+                </a:solidFill>
                 <a:effectLst/>
+                <a:uFill>
+                  <a:solidFill>
+                    <a:srgbClr val="000000"/>
+                  </a:solidFill>
+                </a:uFill>
                 <a:latin typeface="Times New Roman" panose="02020603050405020304" pitchFamily="18" charset="0"/>
-                <a:ea typeface="Calibri" panose="020F0502020204030204" pitchFamily="34" charset="0"/>
-              </a:rPr>
-              <a:t>Bagaimana</a:t>
-            </a:r>
-            <a:r>
-              <a:rPr lang="en-US" sz="1800" dirty="0">
-                <a:effectLst/>
-                <a:latin typeface="Times New Roman" panose="02020603050405020304" pitchFamily="18" charset="0"/>
-                <a:ea typeface="Calibri" panose="020F0502020204030204" pitchFamily="34" charset="0"/>
-              </a:rPr>
-              <a:t> chatbot </a:t>
-            </a:r>
-            <a:r>
-              <a:rPr lang="en-US" sz="1800" dirty="0" err="1">
-                <a:effectLst/>
-                <a:latin typeface="Times New Roman" panose="02020603050405020304" pitchFamily="18" charset="0"/>
-                <a:ea typeface="Calibri" panose="020F0502020204030204" pitchFamily="34" charset="0"/>
-              </a:rPr>
-              <a:t>berbasis</a:t>
-            </a:r>
-            <a:r>
-              <a:rPr lang="en-US" sz="1800" dirty="0">
-                <a:effectLst/>
-                <a:latin typeface="Times New Roman" panose="02020603050405020304" pitchFamily="18" charset="0"/>
-                <a:ea typeface="Calibri" panose="020F0502020204030204" pitchFamily="34" charset="0"/>
-              </a:rPr>
-              <a:t> AI </a:t>
-            </a:r>
-            <a:r>
-              <a:rPr lang="en-US" sz="1800" dirty="0" err="1">
-                <a:effectLst/>
-                <a:latin typeface="Times New Roman" panose="02020603050405020304" pitchFamily="18" charset="0"/>
-                <a:ea typeface="Calibri" panose="020F0502020204030204" pitchFamily="34" charset="0"/>
-              </a:rPr>
-              <a:t>dapat</a:t>
-            </a:r>
-            <a:r>
-              <a:rPr lang="en-US" sz="1800" dirty="0">
-                <a:effectLst/>
-                <a:latin typeface="Times New Roman" panose="02020603050405020304" pitchFamily="18" charset="0"/>
-                <a:ea typeface="Calibri" panose="020F0502020204030204" pitchFamily="34" charset="0"/>
-              </a:rPr>
-              <a:t> </a:t>
-            </a:r>
-            <a:r>
-              <a:rPr lang="en-US" sz="1800" dirty="0" err="1">
-                <a:effectLst/>
-                <a:latin typeface="Times New Roman" panose="02020603050405020304" pitchFamily="18" charset="0"/>
-                <a:ea typeface="Calibri" panose="020F0502020204030204" pitchFamily="34" charset="0"/>
-              </a:rPr>
-              <a:t>membantu</a:t>
-            </a:r>
-            <a:r>
-              <a:rPr lang="en-US" sz="1800" dirty="0">
-                <a:effectLst/>
-                <a:latin typeface="Times New Roman" panose="02020603050405020304" pitchFamily="18" charset="0"/>
-                <a:ea typeface="Calibri" panose="020F0502020204030204" pitchFamily="34" charset="0"/>
-              </a:rPr>
-              <a:t> </a:t>
-            </a:r>
-            <a:r>
-              <a:rPr lang="en-US" sz="1800" dirty="0" err="1">
-                <a:effectLst/>
-                <a:latin typeface="Times New Roman" panose="02020603050405020304" pitchFamily="18" charset="0"/>
-                <a:ea typeface="Calibri" panose="020F0502020204030204" pitchFamily="34" charset="0"/>
-              </a:rPr>
-              <a:t>pelanggan</a:t>
-            </a:r>
-            <a:r>
-              <a:rPr lang="en-US" sz="1800" dirty="0">
-                <a:effectLst/>
-                <a:latin typeface="Times New Roman" panose="02020603050405020304" pitchFamily="18" charset="0"/>
-                <a:ea typeface="Calibri" panose="020F0502020204030204" pitchFamily="34" charset="0"/>
-              </a:rPr>
-              <a:t> </a:t>
-            </a:r>
-            <a:r>
-              <a:rPr lang="en-US" sz="1800" dirty="0" err="1">
-                <a:effectLst/>
-                <a:latin typeface="Times New Roman" panose="02020603050405020304" pitchFamily="18" charset="0"/>
-                <a:ea typeface="Calibri" panose="020F0502020204030204" pitchFamily="34" charset="0"/>
-              </a:rPr>
-              <a:t>dalam</a:t>
-            </a:r>
-            <a:r>
-              <a:rPr lang="en-US" sz="1800" dirty="0">
-                <a:effectLst/>
-                <a:latin typeface="Times New Roman" panose="02020603050405020304" pitchFamily="18" charset="0"/>
-                <a:ea typeface="Calibri" panose="020F0502020204030204" pitchFamily="34" charset="0"/>
-              </a:rPr>
-              <a:t> </a:t>
-            </a:r>
-            <a:r>
-              <a:rPr lang="en-US" sz="1800" dirty="0" err="1">
-                <a:effectLst/>
-                <a:latin typeface="Times New Roman" panose="02020603050405020304" pitchFamily="18" charset="0"/>
-                <a:ea typeface="Calibri" panose="020F0502020204030204" pitchFamily="34" charset="0"/>
-              </a:rPr>
-              <a:t>pemesanan</a:t>
-            </a:r>
-            <a:r>
-              <a:rPr lang="en-US" sz="1800" dirty="0">
-                <a:effectLst/>
-                <a:latin typeface="Times New Roman" panose="02020603050405020304" pitchFamily="18" charset="0"/>
-                <a:ea typeface="Calibri" panose="020F0502020204030204" pitchFamily="34" charset="0"/>
-              </a:rPr>
-              <a:t> dan </a:t>
-            </a:r>
-            <a:r>
-              <a:rPr lang="en-US" sz="1800" dirty="0" err="1">
-                <a:effectLst/>
-                <a:latin typeface="Times New Roman" panose="02020603050405020304" pitchFamily="18" charset="0"/>
-                <a:ea typeface="Calibri" panose="020F0502020204030204" pitchFamily="34" charset="0"/>
-              </a:rPr>
-              <a:t>informasi</a:t>
-            </a:r>
-            <a:r>
-              <a:rPr lang="en-US" sz="1800" dirty="0">
-                <a:effectLst/>
-                <a:latin typeface="Times New Roman" panose="02020603050405020304" pitchFamily="18" charset="0"/>
-                <a:ea typeface="Calibri" panose="020F0502020204030204" pitchFamily="34" charset="0"/>
-              </a:rPr>
-              <a:t> </a:t>
-            </a:r>
-            <a:r>
-              <a:rPr lang="en-US" sz="1800" dirty="0" err="1">
-                <a:effectLst/>
-                <a:latin typeface="Times New Roman" panose="02020603050405020304" pitchFamily="18" charset="0"/>
-                <a:ea typeface="Calibri" panose="020F0502020204030204" pitchFamily="34" charset="0"/>
-              </a:rPr>
-              <a:t>restoran</a:t>
-            </a:r>
-            <a:r>
-              <a:rPr lang="en-US" sz="1800" dirty="0">
-                <a:effectLst/>
-                <a:latin typeface="Times New Roman" panose="02020603050405020304" pitchFamily="18" charset="0"/>
-                <a:ea typeface="Calibri" panose="020F0502020204030204" pitchFamily="34" charset="0"/>
-              </a:rPr>
-              <a:t>?</a:t>
-            </a:r>
-            <a:r>
-              <a:rPr lang="id-ID" sz="2400" dirty="0">
-                <a:effectLst/>
-              </a:rPr>
-              <a:t> </a:t>
-            </a:r>
-            <a:r>
-              <a:rPr lang="en-US" sz="1800" dirty="0">
-                <a:effectLst/>
-                <a:latin typeface="Times New Roman" panose="02020603050405020304" pitchFamily="18" charset="0"/>
-                <a:ea typeface="Calibri" panose="020F0502020204030204" pitchFamily="34" charset="0"/>
+                <a:ea typeface="Times New Roman" panose="02020603050405020304" pitchFamily="18" charset="0"/>
                 <a:cs typeface="Times New Roman" panose="02020603050405020304" pitchFamily="18" charset="0"/>
               </a:rPr>
-              <a:t> </a:t>
+              <a:t>Bagaimana merancang sistem pemesanan makanan berbasis website dan mobile yang mudah digunakan (user-friendly) untuk meningkatkan kenyamanan pelanggan?</a:t>
             </a:r>
-            <a:endParaRPr lang="en-US" sz="1600" dirty="0">
-              <a:effectLst/>
-              <a:latin typeface="Times New Roman" panose="02020603050405020304" pitchFamily="18" charset="0"/>
-              <a:ea typeface="Calibri" panose="020F0502020204030204" pitchFamily="34" charset="0"/>
-              <a:cs typeface="Times New Roman" panose="02020603050405020304" pitchFamily="18" charset="0"/>
-            </a:endParaRPr>
           </a:p>
           <a:p>
-            <a:pPr marL="228600" indent="-228600">
-              <a:buFont typeface="Montserrat"/>
+            <a:pPr marL="342900" marR="0" lvl="0" indent="-342900" algn="just" fontAlgn="base">
+              <a:lnSpc>
+                <a:spcPct val="152000"/>
+              </a:lnSpc>
+              <a:spcAft>
+                <a:spcPts val="265"/>
+              </a:spcAft>
+              <a:buClr>
+                <a:schemeClr val="bg1"/>
+              </a:buClr>
+              <a:buSzPts val="1200"/>
+              <a:buFont typeface="+mj-lt"/>
               <a:buAutoNum type="arabicPeriod"/>
             </a:pPr>
             <a:r>
-              <a:rPr lang="en-US" sz="1800" dirty="0" err="1">
+              <a:rPr lang="id-ID" sz="1600" u="none" strike="noStrike" kern="100" dirty="0">
+                <a:solidFill>
+                  <a:schemeClr val="bg1"/>
+                </a:solidFill>
                 <a:effectLst/>
+                <a:uFill>
+                  <a:solidFill>
+                    <a:srgbClr val="000000"/>
+                  </a:solidFill>
+                </a:uFill>
                 <a:latin typeface="Times New Roman" panose="02020603050405020304" pitchFamily="18" charset="0"/>
-                <a:ea typeface="Calibri" panose="020F0502020204030204" pitchFamily="34" charset="0"/>
+                <a:ea typeface="Times New Roman" panose="02020603050405020304" pitchFamily="18" charset="0"/>
                 <a:cs typeface="Times New Roman" panose="02020603050405020304" pitchFamily="18" charset="0"/>
               </a:rPr>
-              <a:t>Bagaimana</a:t>
+              <a:t>Bagaimana merancang sistem rekomendasi menu berbasis Artificial Intelligence (AI) yang dapat memberikan saran menu sesuai dengan preferensi pelanggan di Rumah Makan Saung Biung?</a:t>
             </a:r>
-            <a:r>
-              <a:rPr lang="en-US" sz="1800" dirty="0">
-                <a:effectLst/>
-                <a:latin typeface="Times New Roman" panose="02020603050405020304" pitchFamily="18" charset="0"/>
-                <a:ea typeface="Calibri" panose="020F0502020204030204" pitchFamily="34" charset="0"/>
-                <a:cs typeface="Times New Roman" panose="02020603050405020304" pitchFamily="18" charset="0"/>
-              </a:rPr>
-              <a:t> </a:t>
-            </a:r>
-            <a:r>
-              <a:rPr lang="en-US" sz="1800" dirty="0" err="1">
-                <a:effectLst/>
-                <a:latin typeface="Times New Roman" panose="02020603050405020304" pitchFamily="18" charset="0"/>
-                <a:ea typeface="Calibri" panose="020F0502020204030204" pitchFamily="34" charset="0"/>
-                <a:cs typeface="Times New Roman" panose="02020603050405020304" pitchFamily="18" charset="0"/>
-              </a:rPr>
-              <a:t>merancang</a:t>
-            </a:r>
-            <a:r>
-              <a:rPr lang="en-US" sz="1800" dirty="0">
-                <a:effectLst/>
-                <a:latin typeface="Times New Roman" panose="02020603050405020304" pitchFamily="18" charset="0"/>
-                <a:ea typeface="Calibri" panose="020F0502020204030204" pitchFamily="34" charset="0"/>
-                <a:cs typeface="Times New Roman" panose="02020603050405020304" pitchFamily="18" charset="0"/>
-              </a:rPr>
-              <a:t> </a:t>
-            </a:r>
-            <a:r>
-              <a:rPr lang="en-US" sz="1800" dirty="0" err="1">
-                <a:effectLst/>
-                <a:latin typeface="Times New Roman" panose="02020603050405020304" pitchFamily="18" charset="0"/>
-                <a:ea typeface="Calibri" panose="020F0502020204030204" pitchFamily="34" charset="0"/>
-                <a:cs typeface="Times New Roman" panose="02020603050405020304" pitchFamily="18" charset="0"/>
-              </a:rPr>
-              <a:t>sistem</a:t>
-            </a:r>
-            <a:r>
-              <a:rPr lang="en-US" sz="1800" dirty="0">
-                <a:effectLst/>
-                <a:latin typeface="Times New Roman" panose="02020603050405020304" pitchFamily="18" charset="0"/>
-                <a:ea typeface="Calibri" panose="020F0502020204030204" pitchFamily="34" charset="0"/>
-                <a:cs typeface="Times New Roman" panose="02020603050405020304" pitchFamily="18" charset="0"/>
-              </a:rPr>
-              <a:t> </a:t>
-            </a:r>
-            <a:r>
-              <a:rPr lang="en-US" sz="1800" dirty="0" err="1">
-                <a:effectLst/>
-                <a:latin typeface="Times New Roman" panose="02020603050405020304" pitchFamily="18" charset="0"/>
-                <a:ea typeface="Calibri" panose="020F0502020204030204" pitchFamily="34" charset="0"/>
-                <a:cs typeface="Times New Roman" panose="02020603050405020304" pitchFamily="18" charset="0"/>
-              </a:rPr>
-              <a:t>pemesanan</a:t>
-            </a:r>
-            <a:r>
-              <a:rPr lang="en-US" sz="1800" dirty="0">
-                <a:effectLst/>
-                <a:latin typeface="Times New Roman" panose="02020603050405020304" pitchFamily="18" charset="0"/>
-                <a:ea typeface="Calibri" panose="020F0502020204030204" pitchFamily="34" charset="0"/>
-                <a:cs typeface="Times New Roman" panose="02020603050405020304" pitchFamily="18" charset="0"/>
-              </a:rPr>
-              <a:t> yang </a:t>
-            </a:r>
-            <a:r>
-              <a:rPr lang="en-US" sz="1800" dirty="0" err="1">
-                <a:effectLst/>
-                <a:latin typeface="Times New Roman" panose="02020603050405020304" pitchFamily="18" charset="0"/>
-                <a:ea typeface="Calibri" panose="020F0502020204030204" pitchFamily="34" charset="0"/>
-                <a:cs typeface="Times New Roman" panose="02020603050405020304" pitchFamily="18" charset="0"/>
-              </a:rPr>
-              <a:t>dapat</a:t>
-            </a:r>
-            <a:r>
-              <a:rPr lang="en-US" sz="1800" dirty="0">
-                <a:effectLst/>
-                <a:latin typeface="Times New Roman" panose="02020603050405020304" pitchFamily="18" charset="0"/>
-                <a:ea typeface="Calibri" panose="020F0502020204030204" pitchFamily="34" charset="0"/>
-                <a:cs typeface="Times New Roman" panose="02020603050405020304" pitchFamily="18" charset="0"/>
-              </a:rPr>
-              <a:t> </a:t>
-            </a:r>
-            <a:r>
-              <a:rPr lang="en-US" sz="1800" dirty="0" err="1">
-                <a:effectLst/>
-                <a:latin typeface="Times New Roman" panose="02020603050405020304" pitchFamily="18" charset="0"/>
-                <a:ea typeface="Calibri" panose="020F0502020204030204" pitchFamily="34" charset="0"/>
-                <a:cs typeface="Times New Roman" panose="02020603050405020304" pitchFamily="18" charset="0"/>
-              </a:rPr>
-              <a:t>mudah</a:t>
-            </a:r>
-            <a:r>
-              <a:rPr lang="en-US" sz="1800" dirty="0">
-                <a:effectLst/>
-                <a:latin typeface="Times New Roman" panose="02020603050405020304" pitchFamily="18" charset="0"/>
-                <a:ea typeface="Calibri" panose="020F0502020204030204" pitchFamily="34" charset="0"/>
-                <a:cs typeface="Times New Roman" panose="02020603050405020304" pitchFamily="18" charset="0"/>
-              </a:rPr>
-              <a:t> </a:t>
-            </a:r>
-            <a:r>
-              <a:rPr lang="en-US" sz="1800" dirty="0" err="1">
-                <a:effectLst/>
-                <a:latin typeface="Times New Roman" panose="02020603050405020304" pitchFamily="18" charset="0"/>
-                <a:ea typeface="Calibri" panose="020F0502020204030204" pitchFamily="34" charset="0"/>
-                <a:cs typeface="Times New Roman" panose="02020603050405020304" pitchFamily="18" charset="0"/>
-              </a:rPr>
-              <a:t>digunakan</a:t>
-            </a:r>
-            <a:r>
-              <a:rPr lang="en-US" sz="1800" dirty="0">
-                <a:effectLst/>
-                <a:latin typeface="Times New Roman" panose="02020603050405020304" pitchFamily="18" charset="0"/>
-                <a:ea typeface="Calibri" panose="020F0502020204030204" pitchFamily="34" charset="0"/>
-                <a:cs typeface="Times New Roman" panose="02020603050405020304" pitchFamily="18" charset="0"/>
-              </a:rPr>
-              <a:t> </a:t>
-            </a:r>
-            <a:r>
-              <a:rPr lang="en-US" sz="1800" dirty="0" err="1">
-                <a:effectLst/>
-                <a:latin typeface="Times New Roman" panose="02020603050405020304" pitchFamily="18" charset="0"/>
-                <a:ea typeface="Calibri" panose="020F0502020204030204" pitchFamily="34" charset="0"/>
-                <a:cs typeface="Times New Roman" panose="02020603050405020304" pitchFamily="18" charset="0"/>
-              </a:rPr>
-              <a:t>atau</a:t>
-            </a:r>
-            <a:r>
-              <a:rPr lang="en-US" sz="1800" dirty="0">
-                <a:effectLst/>
-                <a:latin typeface="Times New Roman" panose="02020603050405020304" pitchFamily="18" charset="0"/>
-                <a:ea typeface="Calibri" panose="020F0502020204030204" pitchFamily="34" charset="0"/>
-                <a:cs typeface="Times New Roman" panose="02020603050405020304" pitchFamily="18" charset="0"/>
-              </a:rPr>
-              <a:t> user-</a:t>
-            </a:r>
-            <a:r>
-              <a:rPr lang="en-US" sz="1800" dirty="0" err="1">
-                <a:effectLst/>
-                <a:latin typeface="Times New Roman" panose="02020603050405020304" pitchFamily="18" charset="0"/>
-                <a:ea typeface="Calibri" panose="020F0502020204030204" pitchFamily="34" charset="0"/>
-                <a:cs typeface="Times New Roman" panose="02020603050405020304" pitchFamily="18" charset="0"/>
-              </a:rPr>
-              <a:t>frendly</a:t>
-            </a:r>
-            <a:r>
-              <a:rPr lang="en-US" sz="1800" dirty="0">
-                <a:effectLst/>
-                <a:latin typeface="Times New Roman" panose="02020603050405020304" pitchFamily="18" charset="0"/>
-                <a:ea typeface="Calibri" panose="020F0502020204030204" pitchFamily="34" charset="0"/>
-                <a:cs typeface="Times New Roman" panose="02020603050405020304" pitchFamily="18" charset="0"/>
-              </a:rPr>
-              <a:t>?</a:t>
-            </a:r>
-            <a:endParaRPr lang="id-ID" sz="1800" dirty="0">
+          </a:p>
+          <a:p>
+            <a:pPr marL="0" indent="0">
+              <a:buNone/>
+            </a:pPr>
+            <a:endParaRPr lang="id-ID" sz="1600" dirty="0">
+              <a:solidFill>
+                <a:schemeClr val="bg1"/>
+              </a:solidFill>
               <a:effectLst/>
               <a:latin typeface="Calibri" panose="020F0502020204030204" pitchFamily="34" charset="0"/>
               <a:ea typeface="Calibri" panose="020F0502020204030204" pitchFamily="34" charset="0"/>
@@ -8150,7 +8047,10 @@
             <a:pPr marL="0" indent="0">
               <a:buNone/>
             </a:pPr>
-            <a:endParaRPr lang="id-ID" sz="1800" dirty="0">
+            <a:endParaRPr lang="id-ID" sz="1600" dirty="0">
+              <a:solidFill>
+                <a:schemeClr val="bg1"/>
+              </a:solidFill>
               <a:effectLst/>
               <a:latin typeface="Calibri" panose="020F0502020204030204" pitchFamily="34" charset="0"/>
               <a:ea typeface="Calibri" panose="020F0502020204030204" pitchFamily="34" charset="0"/>
@@ -8300,8 +8200,8 @@
         </p:nvSpPr>
         <p:spPr>
           <a:xfrm>
-            <a:off x="938500" y="1246025"/>
-            <a:ext cx="7172100" cy="3039900"/>
+            <a:off x="926468" y="1103149"/>
+            <a:ext cx="7172100" cy="3733169"/>
           </a:xfrm>
           <a:prstGeom prst="rect">
             <a:avLst/>
@@ -8323,14 +8223,26 @@
               <a:buNone/>
             </a:pPr>
             <a:r>
-              <a:rPr lang="en-US" sz="2000" b="1" dirty="0"/>
+              <a:rPr lang="en-US" sz="1100" b="1" dirty="0">
+                <a:solidFill>
+                  <a:schemeClr val="bg1"/>
+                </a:solidFill>
+              </a:rPr>
               <a:t>Manfaat </a:t>
             </a:r>
             <a:r>
-              <a:rPr lang="en-US" sz="2000" b="1" dirty="0" err="1"/>
+              <a:rPr lang="en-US" sz="1100" b="1" dirty="0" err="1">
+                <a:solidFill>
+                  <a:schemeClr val="bg1"/>
+                </a:solidFill>
+              </a:rPr>
               <a:t>Proyek</a:t>
             </a:r>
-            <a:endParaRPr lang="en-US" sz="2000" b="1" dirty="0"/>
+            <a:endParaRPr lang="en-US" sz="1100" b="1" dirty="0">
+              <a:solidFill>
+                <a:schemeClr val="bg1"/>
+              </a:solidFill>
+            </a:endParaRPr>
           </a:p>
           <a:p>
             <a:pPr marL="0" lvl="0" indent="0" algn="l" rtl="0">
@@ -8342,115 +8254,303 @@
               </a:spcAft>
               <a:buNone/>
             </a:pPr>
-            <a:endParaRPr lang="en-US" dirty="0"/>
+            <a:endParaRPr lang="en-US" sz="1100" dirty="0">
+              <a:solidFill>
+                <a:schemeClr val="bg1"/>
+              </a:solidFill>
+            </a:endParaRPr>
           </a:p>
           <a:p>
-            <a:pPr marL="342900" lvl="0" indent="-342900" algn="just">
+            <a:pPr marL="342900" marR="0" lvl="0" indent="-342900" algn="just">
               <a:lnSpc>
                 <a:spcPct val="107000"/>
               </a:lnSpc>
               <a:spcAft>
-                <a:spcPts val="800"/>
-              </a:spcAft>
-              <a:buFont typeface="Symbol" panose="05050102010706020507" pitchFamily="18" charset="2"/>
-              <a:buChar char=""/>
+                <a:spcPts val="790"/>
+              </a:spcAft>
+              <a:buFont typeface="+mj-lt"/>
+              <a:buAutoNum type="arabicPeriod"/>
             </a:pPr>
             <a:r>
-              <a:rPr lang="id-ID" sz="1800" b="1" kern="100" dirty="0">
+              <a:rPr lang="id-ID" sz="1100" kern="100" dirty="0">
+                <a:solidFill>
+                  <a:schemeClr val="bg1"/>
+                </a:solidFill>
                 <a:effectLst/>
                 <a:latin typeface="Times New Roman" panose="02020603050405020304" pitchFamily="18" charset="0"/>
                 <a:ea typeface="Times New Roman" panose="02020603050405020304" pitchFamily="18" charset="0"/>
-                <a:cs typeface="Times New Roman" panose="02020603050405020304" pitchFamily="18" charset="0"/>
               </a:rPr>
-              <a:t>Bagi pelanggan</a:t>
+              <a:t>Bagi Pelanggan:</a:t>
             </a:r>
-            <a:r>
-              <a:rPr lang="id-ID" sz="1800" kern="100" dirty="0">
-                <a:effectLst/>
-                <a:latin typeface="Times New Roman" panose="02020603050405020304" pitchFamily="18" charset="0"/>
-                <a:ea typeface="Calibri" panose="020F0502020204030204" pitchFamily="34" charset="0"/>
-                <a:cs typeface="Times New Roman" panose="02020603050405020304" pitchFamily="18" charset="0"/>
-              </a:rPr>
-              <a:t>: Mempermudah proses pemesanan, mendapatkan rekomendasi menu, dan memperoleh layanan informasi restoran secara real-</a:t>
-            </a:r>
-            <a:r>
-              <a:rPr lang="id-ID" sz="1800" kern="100" dirty="0" err="1">
-                <a:effectLst/>
-                <a:latin typeface="Times New Roman" panose="02020603050405020304" pitchFamily="18" charset="0"/>
-                <a:ea typeface="Calibri" panose="020F0502020204030204" pitchFamily="34" charset="0"/>
-                <a:cs typeface="Times New Roman" panose="02020603050405020304" pitchFamily="18" charset="0"/>
-              </a:rPr>
-              <a:t>time</a:t>
-            </a:r>
-            <a:r>
-              <a:rPr lang="id-ID" sz="1800" kern="100" dirty="0">
-                <a:effectLst/>
-                <a:latin typeface="Times New Roman" panose="02020603050405020304" pitchFamily="18" charset="0"/>
-                <a:ea typeface="Calibri" panose="020F0502020204030204" pitchFamily="34" charset="0"/>
-                <a:cs typeface="Times New Roman" panose="02020603050405020304" pitchFamily="18" charset="0"/>
-              </a:rPr>
-              <a:t> melalui </a:t>
-            </a:r>
-            <a:r>
-              <a:rPr lang="id-ID" sz="1800" kern="100" dirty="0" err="1">
-                <a:effectLst/>
-                <a:latin typeface="Times New Roman" panose="02020603050405020304" pitchFamily="18" charset="0"/>
-                <a:ea typeface="Calibri" panose="020F0502020204030204" pitchFamily="34" charset="0"/>
-                <a:cs typeface="Times New Roman" panose="02020603050405020304" pitchFamily="18" charset="0"/>
-              </a:rPr>
-              <a:t>chatbot</a:t>
-            </a:r>
-            <a:r>
-              <a:rPr lang="id-ID" sz="1800" kern="100" dirty="0">
-                <a:effectLst/>
-                <a:latin typeface="Times New Roman" panose="02020603050405020304" pitchFamily="18" charset="0"/>
-                <a:ea typeface="Calibri" panose="020F0502020204030204" pitchFamily="34" charset="0"/>
-                <a:cs typeface="Times New Roman" panose="02020603050405020304" pitchFamily="18" charset="0"/>
-              </a:rPr>
-              <a:t>.</a:t>
-            </a:r>
-            <a:endParaRPr lang="en-US" sz="1800" kern="100" dirty="0">
-              <a:effectLst/>
-              <a:latin typeface="Times New Roman" panose="02020603050405020304" pitchFamily="18" charset="0"/>
-              <a:ea typeface="Calibri" panose="020F0502020204030204" pitchFamily="34" charset="0"/>
-              <a:cs typeface="Times New Roman" panose="02020603050405020304" pitchFamily="18" charset="0"/>
-            </a:endParaRPr>
           </a:p>
           <a:p>
-            <a:pPr marL="342900" indent="-342900" algn="just">
+            <a:pPr marL="342900" marR="0" lvl="0" indent="-342900" algn="just">
               <a:lnSpc>
                 <a:spcPct val="107000"/>
               </a:lnSpc>
               <a:spcAft>
-                <a:spcPts val="800"/>
-              </a:spcAft>
+                <a:spcPts val="790"/>
+              </a:spcAft>
+              <a:buSzPts val="1000"/>
               <a:buFont typeface="Symbol" panose="05050102010706020507" pitchFamily="18" charset="2"/>
               <a:buChar char=""/>
+              <a:tabLst>
+                <a:tab pos="457200" algn="l"/>
+              </a:tabLst>
             </a:pPr>
             <a:r>
-              <a:rPr lang="id-ID" sz="1800" b="1" kern="100" dirty="0">
+              <a:rPr lang="id-ID" sz="1100" kern="100" dirty="0">
+                <a:solidFill>
+                  <a:schemeClr val="bg1"/>
+                </a:solidFill>
                 <a:effectLst/>
                 <a:latin typeface="Times New Roman" panose="02020603050405020304" pitchFamily="18" charset="0"/>
                 <a:ea typeface="Times New Roman" panose="02020603050405020304" pitchFamily="18" charset="0"/>
-                <a:cs typeface="Times New Roman" panose="02020603050405020304" pitchFamily="18" charset="0"/>
               </a:rPr>
-              <a:t>Bagi restoran:</a:t>
+              <a:t>Memudahkan pelanggan dalam melakukan pemesanan makanan secara online melalui aplikasi tanpa harus mengantri.</a:t>
             </a:r>
+          </a:p>
+          <a:p>
+            <a:pPr marL="342900" marR="0" lvl="0" indent="-342900" algn="just">
+              <a:lnSpc>
+                <a:spcPct val="107000"/>
+              </a:lnSpc>
+              <a:spcAft>
+                <a:spcPts val="790"/>
+              </a:spcAft>
+              <a:buSzPts val="1000"/>
+              <a:buFont typeface="Symbol" panose="05050102010706020507" pitchFamily="18" charset="2"/>
+              <a:buChar char=""/>
+              <a:tabLst>
+                <a:tab pos="457200" algn="l"/>
+              </a:tabLst>
+            </a:pPr>
             <a:r>
-              <a:rPr lang="id-ID" sz="1800" kern="100" dirty="0">
+              <a:rPr lang="id-ID" sz="1100" kern="100" dirty="0">
+                <a:solidFill>
+                  <a:schemeClr val="bg1"/>
+                </a:solidFill>
                 <a:effectLst/>
                 <a:latin typeface="Times New Roman" panose="02020603050405020304" pitchFamily="18" charset="0"/>
                 <a:ea typeface="Times New Roman" panose="02020603050405020304" pitchFamily="18" charset="0"/>
-                <a:cs typeface="Times New Roman" panose="02020603050405020304" pitchFamily="18" charset="0"/>
               </a:rPr>
-              <a:t> Mengurangi beban kerja staf, meningkatkan efisiensi pelayanan, dan mengoptimalkan pengelolaan stok bahan makanan.</a:t>
+              <a:t>Memberikan rekomendasi menu berbasis AI.</a:t>
             </a:r>
-            <a:endParaRPr lang="id-ID" sz="1800" kern="100" dirty="0">
-              <a:effectLst/>
-              <a:latin typeface="Times New Roman" panose="02020603050405020304" pitchFamily="18" charset="0"/>
-              <a:ea typeface="Calibri" panose="020F0502020204030204" pitchFamily="34" charset="0"/>
-              <a:cs typeface="Times New Roman" panose="02020603050405020304" pitchFamily="18" charset="0"/>
-            </a:endParaRPr>
+          </a:p>
+          <a:p>
+            <a:pPr marL="342900" marR="0" lvl="0" indent="-342900" algn="just">
+              <a:lnSpc>
+                <a:spcPct val="107000"/>
+              </a:lnSpc>
+              <a:spcAft>
+                <a:spcPts val="790"/>
+              </a:spcAft>
+              <a:buSzPts val="1000"/>
+              <a:buFont typeface="Symbol" panose="05050102010706020507" pitchFamily="18" charset="2"/>
+              <a:buChar char=""/>
+              <a:tabLst>
+                <a:tab pos="457200" algn="l"/>
+              </a:tabLst>
+            </a:pPr>
+            <a:r>
+              <a:rPr lang="id-ID" sz="1100" kern="100" dirty="0">
+                <a:solidFill>
+                  <a:schemeClr val="bg1"/>
+                </a:solidFill>
+                <a:effectLst/>
+                <a:latin typeface="Times New Roman" panose="02020603050405020304" pitchFamily="18" charset="0"/>
+                <a:ea typeface="Times New Roman" panose="02020603050405020304" pitchFamily="18" charset="0"/>
+              </a:rPr>
+              <a:t>Meminimalisir kesalahan pemesanan dengan sistem yang terstruktur dan otomatis.</a:t>
+            </a:r>
+          </a:p>
+          <a:p>
+            <a:pPr marL="342900" marR="0" lvl="0" indent="-342900" algn="just">
+              <a:lnSpc>
+                <a:spcPct val="107000"/>
+              </a:lnSpc>
+              <a:spcAft>
+                <a:spcPts val="790"/>
+              </a:spcAft>
+              <a:buSzPts val="1000"/>
+              <a:buFont typeface="Symbol" panose="05050102010706020507" pitchFamily="18" charset="2"/>
+              <a:buChar char=""/>
+              <a:tabLst>
+                <a:tab pos="457200" algn="l"/>
+              </a:tabLst>
+            </a:pPr>
+            <a:r>
+              <a:rPr lang="id-ID" sz="1100" kern="100" dirty="0">
+                <a:solidFill>
+                  <a:schemeClr val="bg1"/>
+                </a:solidFill>
+                <a:effectLst/>
+                <a:latin typeface="Times New Roman" panose="02020603050405020304" pitchFamily="18" charset="0"/>
+                <a:ea typeface="Times New Roman" panose="02020603050405020304" pitchFamily="18" charset="0"/>
+              </a:rPr>
+              <a:t>Menyediakan pengalaman pemesanan yang lebih modern dan nyaman.</a:t>
+            </a:r>
+          </a:p>
+          <a:p>
+            <a:pPr marL="342900" marR="0" lvl="0" indent="-342900" algn="just">
+              <a:lnSpc>
+                <a:spcPct val="107000"/>
+              </a:lnSpc>
+              <a:spcAft>
+                <a:spcPts val="790"/>
+              </a:spcAft>
+              <a:buFont typeface="+mj-lt"/>
+              <a:buAutoNum type="arabicPeriod" startAt="2"/>
+              <a:tabLst>
+                <a:tab pos="457200" algn="l"/>
+              </a:tabLst>
+            </a:pPr>
+            <a:r>
+              <a:rPr lang="id-ID" sz="1100" kern="100" dirty="0">
+                <a:solidFill>
+                  <a:schemeClr val="bg1"/>
+                </a:solidFill>
+                <a:effectLst/>
+                <a:latin typeface="Times New Roman" panose="02020603050405020304" pitchFamily="18" charset="0"/>
+                <a:ea typeface="Times New Roman" panose="02020603050405020304" pitchFamily="18" charset="0"/>
+              </a:rPr>
+              <a:t>Bagi Rumah Makan Saung Biung:</a:t>
+            </a:r>
+          </a:p>
+          <a:p>
+            <a:pPr marL="342900" marR="0" lvl="0" indent="-342900" algn="just">
+              <a:lnSpc>
+                <a:spcPct val="107000"/>
+              </a:lnSpc>
+              <a:spcAft>
+                <a:spcPts val="790"/>
+              </a:spcAft>
+              <a:buSzPts val="1000"/>
+              <a:buFont typeface="Symbol" panose="05050102010706020507" pitchFamily="18" charset="2"/>
+              <a:buChar char=""/>
+              <a:tabLst>
+                <a:tab pos="457200" algn="l"/>
+              </a:tabLst>
+            </a:pPr>
+            <a:r>
+              <a:rPr lang="id-ID" sz="1100" kern="100" dirty="0">
+                <a:solidFill>
+                  <a:schemeClr val="bg1"/>
+                </a:solidFill>
+                <a:effectLst/>
+                <a:latin typeface="Times New Roman" panose="02020603050405020304" pitchFamily="18" charset="0"/>
+                <a:ea typeface="Times New Roman" panose="02020603050405020304" pitchFamily="18" charset="0"/>
+              </a:rPr>
+              <a:t>Meningkatkan efisiensi operasional dengan sistem pemesanan yang otomatis, sehingga mengurangi antrean dan kesalahan dalam pencatatan pesanan.</a:t>
+            </a:r>
+          </a:p>
+          <a:p>
+            <a:pPr marL="342900" marR="0" lvl="0" indent="-342900" algn="just">
+              <a:lnSpc>
+                <a:spcPct val="107000"/>
+              </a:lnSpc>
+              <a:spcAft>
+                <a:spcPts val="790"/>
+              </a:spcAft>
+              <a:buSzPts val="1000"/>
+              <a:buFont typeface="Symbol" panose="05050102010706020507" pitchFamily="18" charset="2"/>
+              <a:buChar char=""/>
+              <a:tabLst>
+                <a:tab pos="457200" algn="l"/>
+              </a:tabLst>
+            </a:pPr>
+            <a:r>
+              <a:rPr lang="id-ID" sz="1100" kern="100" dirty="0">
+                <a:solidFill>
+                  <a:schemeClr val="bg1"/>
+                </a:solidFill>
+                <a:effectLst/>
+                <a:latin typeface="Times New Roman" panose="02020603050405020304" pitchFamily="18" charset="0"/>
+                <a:ea typeface="Times New Roman" panose="02020603050405020304" pitchFamily="18" charset="0"/>
+              </a:rPr>
+              <a:t>Mempercepat proses pemesanan dan pelayanan kepada pelanggan, sehingga meningkatkan kepuasan pelanggan.</a:t>
+            </a:r>
+          </a:p>
+          <a:p>
+            <a:pPr marL="342900" marR="0" lvl="0" indent="-342900" algn="just">
+              <a:lnSpc>
+                <a:spcPct val="107000"/>
+              </a:lnSpc>
+              <a:spcAft>
+                <a:spcPts val="790"/>
+              </a:spcAft>
+              <a:buSzPts val="1000"/>
+              <a:buFont typeface="Symbol" panose="05050102010706020507" pitchFamily="18" charset="2"/>
+              <a:buChar char=""/>
+              <a:tabLst>
+                <a:tab pos="457200" algn="l"/>
+              </a:tabLst>
+            </a:pPr>
+            <a:r>
+              <a:rPr lang="id-ID" sz="1100" kern="100" dirty="0">
+                <a:solidFill>
+                  <a:schemeClr val="bg1"/>
+                </a:solidFill>
+                <a:effectLst/>
+                <a:latin typeface="Times New Roman" panose="02020603050405020304" pitchFamily="18" charset="0"/>
+                <a:ea typeface="Times New Roman" panose="02020603050405020304" pitchFamily="18" charset="0"/>
+              </a:rPr>
+              <a:t>Mengoptimalkan strategi pemasaran dengan analisis data pesanan pelanggan untuk memahami tren dan pola konsumsi.</a:t>
+            </a:r>
+          </a:p>
+          <a:p>
+            <a:pPr marL="342900" marR="0" lvl="0" indent="-342900" algn="just">
+              <a:lnSpc>
+                <a:spcPct val="107000"/>
+              </a:lnSpc>
+              <a:spcAft>
+                <a:spcPts val="790"/>
+              </a:spcAft>
+              <a:buSzPts val="1000"/>
+              <a:buFont typeface="Symbol" panose="05050102010706020507" pitchFamily="18" charset="2"/>
+              <a:buChar char=""/>
+              <a:tabLst>
+                <a:tab pos="457200" algn="l"/>
+              </a:tabLst>
+            </a:pPr>
+            <a:r>
+              <a:rPr lang="id-ID" sz="1100" kern="100" dirty="0">
+                <a:solidFill>
+                  <a:schemeClr val="bg1"/>
+                </a:solidFill>
+                <a:effectLst/>
+                <a:latin typeface="Times New Roman" panose="02020603050405020304" pitchFamily="18" charset="0"/>
+                <a:ea typeface="Times New Roman" panose="02020603050405020304" pitchFamily="18" charset="0"/>
+              </a:rPr>
+              <a:t>Memungkinkan restoran untuk menawarkan promo atau rekomendasi menu yang lebih personal berdasarkan data yang diolah oleh AI.</a:t>
+            </a:r>
+          </a:p>
+          <a:p>
+            <a:pPr marL="342900" marR="0" lvl="0" indent="-342900" algn="just">
+              <a:lnSpc>
+                <a:spcPct val="107000"/>
+              </a:lnSpc>
+              <a:spcAft>
+                <a:spcPts val="790"/>
+              </a:spcAft>
+              <a:buSzPts val="1000"/>
+              <a:buFont typeface="Symbol" panose="05050102010706020507" pitchFamily="18" charset="2"/>
+              <a:buChar char=""/>
+              <a:tabLst>
+                <a:tab pos="457200" algn="l"/>
+              </a:tabLst>
+            </a:pPr>
+            <a:r>
+              <a:rPr lang="id-ID" sz="1100" kern="100" dirty="0">
+                <a:solidFill>
+                  <a:schemeClr val="bg1"/>
+                </a:solidFill>
+                <a:effectLst/>
+                <a:latin typeface="Times New Roman" panose="02020603050405020304" pitchFamily="18" charset="0"/>
+                <a:ea typeface="Times New Roman" panose="02020603050405020304" pitchFamily="18" charset="0"/>
+              </a:rPr>
+              <a:t>Meningkatkan daya saing restoran dengan penerapan teknologi berbasis AI dan sistem pemesanan berbasis digital.</a:t>
+            </a:r>
           </a:p>
           <a:p>
             <a:pPr marL="0" lvl="0" indent="0" algn="just">
@@ -8462,7 +8562,10 @@
               </a:spcAft>
               <a:buNone/>
             </a:pPr>
-            <a:endParaRPr lang="id-ID" sz="1800" kern="100" dirty="0">
+            <a:endParaRPr lang="id-ID" sz="1100" kern="100" dirty="0">
+              <a:solidFill>
+                <a:schemeClr val="bg1"/>
+              </a:solidFill>
               <a:effectLst/>
               <a:latin typeface="Times New Roman" panose="02020603050405020304" pitchFamily="18" charset="0"/>
               <a:ea typeface="Calibri" panose="020F0502020204030204" pitchFamily="34" charset="0"/>
@@ -8612,8 +8715,8 @@
         </p:nvSpPr>
         <p:spPr>
           <a:xfrm>
-            <a:off x="938500" y="1246025"/>
-            <a:ext cx="7172100" cy="3039900"/>
+            <a:off x="938500" y="1246024"/>
+            <a:ext cx="7172100" cy="3452443"/>
           </a:xfrm>
           <a:prstGeom prst="rect">
             <a:avLst/>
@@ -8635,637 +8738,187 @@
               <a:buNone/>
             </a:pPr>
             <a:r>
-              <a:rPr lang="en-US" sz="2000" b="1" dirty="0"/>
+              <a:rPr lang="en-US" sz="1600" b="1" dirty="0">
+                <a:solidFill>
+                  <a:schemeClr val="bg1"/>
+                </a:solidFill>
+              </a:rPr>
               <a:t>Tujuan </a:t>
             </a:r>
             <a:r>
-              <a:rPr lang="en-US" sz="2000" b="1" dirty="0" err="1"/>
+              <a:rPr lang="en-US" sz="1600" b="1" dirty="0" err="1">
+                <a:solidFill>
+                  <a:schemeClr val="bg1"/>
+                </a:solidFill>
+              </a:rPr>
               <a:t>Proyek</a:t>
             </a:r>
-            <a:endParaRPr lang="en-US" sz="2000" b="1" dirty="0"/>
+            <a:endParaRPr lang="en-US" sz="1600" b="1" dirty="0">
+              <a:solidFill>
+                <a:schemeClr val="bg1"/>
+              </a:solidFill>
+            </a:endParaRPr>
           </a:p>
           <a:p>
-            <a:pPr marL="0" lvl="0" indent="0" algn="l" rtl="0">
-              <a:spcBef>
-                <a:spcPts val="0"/>
-              </a:spcBef>
-              <a:spcAft>
-                <a:spcPts val="0"/>
-              </a:spcAft>
-              <a:buNone/>
-            </a:pPr>
-            <a:endParaRPr lang="en-US" dirty="0"/>
-          </a:p>
-          <a:p>
-            <a:pPr marL="342900" lvl="0" indent="-342900" algn="just">
+            <a:pPr marL="342900" marR="0" lvl="0" indent="-342900" algn="just">
               <a:lnSpc>
                 <a:spcPct val="107000"/>
               </a:lnSpc>
-              <a:buFont typeface="Symbol" panose="05050102010706020507" pitchFamily="18" charset="2"/>
-              <a:buChar char=""/>
+              <a:spcAft>
+                <a:spcPts val="120"/>
+              </a:spcAft>
+              <a:buFont typeface="+mj-lt"/>
+              <a:buAutoNum type="arabicPeriod"/>
             </a:pPr>
             <a:r>
-              <a:rPr lang="en-ID" sz="1800" kern="100" dirty="0" err="1">
+              <a:rPr lang="id-ID" sz="1600" b="0" kern="100" dirty="0">
+                <a:solidFill>
+                  <a:schemeClr val="bg1"/>
+                </a:solidFill>
                 <a:effectLst/>
                 <a:latin typeface="Times New Roman" panose="02020603050405020304" pitchFamily="18" charset="0"/>
-                <a:ea typeface="Calibri" panose="020F0502020204030204" pitchFamily="34" charset="0"/>
-                <a:cs typeface="Times New Roman" panose="02020603050405020304" pitchFamily="18" charset="0"/>
+                <a:ea typeface="Times New Roman" panose="02020603050405020304" pitchFamily="18" charset="0"/>
               </a:rPr>
-              <a:t>Mempercepat</a:t>
+              <a:t>Mengembangkan sistem pemesanan makanan berbasis website dan mobile untuk meningkatkan kemudahan pelanggan dalam melakukan pemesanan di Rumah Makan Saung Biung.</a:t>
+            </a:r>
+            <a:endParaRPr lang="id-ID" sz="1600" b="1" kern="100" dirty="0">
+              <a:solidFill>
+                <a:schemeClr val="bg1"/>
+              </a:solidFill>
+              <a:effectLst/>
+              <a:latin typeface="Times New Roman" panose="02020603050405020304" pitchFamily="18" charset="0"/>
+              <a:ea typeface="Times New Roman" panose="02020603050405020304" pitchFamily="18" charset="0"/>
+            </a:endParaRPr>
+          </a:p>
+          <a:p>
+            <a:pPr marL="342900" marR="0" lvl="0" indent="-342900" algn="just">
+              <a:lnSpc>
+                <a:spcPct val="107000"/>
+              </a:lnSpc>
+              <a:spcAft>
+                <a:spcPts val="120"/>
+              </a:spcAft>
+              <a:buFont typeface="+mj-lt"/>
+              <a:buAutoNum type="arabicPeriod"/>
+            </a:pPr>
+            <a:r>
+              <a:rPr lang="id-ID" sz="1600" b="0" kern="100" dirty="0">
+                <a:solidFill>
+                  <a:schemeClr val="bg1"/>
+                </a:solidFill>
+                <a:effectLst/>
+                <a:latin typeface="Times New Roman" panose="02020603050405020304" pitchFamily="18" charset="0"/>
+                <a:ea typeface="Times New Roman" panose="02020603050405020304" pitchFamily="18" charset="0"/>
+              </a:rPr>
+              <a:t>Menerapkan teknologi Artificial Intelligence (AI) untuk memberikan rekomendasi menu berdasarkan preferensi pelanggan.</a:t>
+            </a:r>
+            <a:endParaRPr lang="id-ID" sz="1600" b="1" kern="100" dirty="0">
+              <a:solidFill>
+                <a:schemeClr val="bg1"/>
+              </a:solidFill>
+              <a:effectLst/>
+              <a:latin typeface="Times New Roman" panose="02020603050405020304" pitchFamily="18" charset="0"/>
+              <a:ea typeface="Times New Roman" panose="02020603050405020304" pitchFamily="18" charset="0"/>
+            </a:endParaRPr>
+          </a:p>
+          <a:p>
+            <a:pPr marL="342900" marR="0" lvl="0" indent="-342900" algn="just">
+              <a:lnSpc>
+                <a:spcPct val="107000"/>
+              </a:lnSpc>
+              <a:spcAft>
+                <a:spcPts val="120"/>
+              </a:spcAft>
+              <a:buFont typeface="+mj-lt"/>
+              <a:buAutoNum type="arabicPeriod"/>
+            </a:pPr>
+            <a:r>
+              <a:rPr lang="id-ID" sz="1600" b="0" kern="100" dirty="0">
+                <a:solidFill>
+                  <a:schemeClr val="bg1"/>
+                </a:solidFill>
+                <a:effectLst/>
+                <a:latin typeface="Times New Roman" panose="02020603050405020304" pitchFamily="18" charset="0"/>
+                <a:ea typeface="Times New Roman" panose="02020603050405020304" pitchFamily="18" charset="0"/>
+              </a:rPr>
+              <a:t>Meningkatkan pengalaman pelanggan dengan antarmuka pengguna (UI/UX) yang ramah pengguna (user-friendly) agar mudah diakses dan digunakan.</a:t>
+            </a:r>
+            <a:endParaRPr lang="id-ID" sz="1600" b="1" kern="100" dirty="0">
+              <a:solidFill>
+                <a:schemeClr val="bg1"/>
+              </a:solidFill>
+              <a:effectLst/>
+              <a:latin typeface="Times New Roman" panose="02020603050405020304" pitchFamily="18" charset="0"/>
+              <a:ea typeface="Times New Roman" panose="02020603050405020304" pitchFamily="18" charset="0"/>
+            </a:endParaRPr>
+          </a:p>
+          <a:p>
+            <a:pPr marL="342900" marR="0" lvl="0" indent="-342900" algn="just">
+              <a:lnSpc>
+                <a:spcPct val="107000"/>
+              </a:lnSpc>
+              <a:spcAft>
+                <a:spcPts val="120"/>
+              </a:spcAft>
+              <a:buFont typeface="+mj-lt"/>
+              <a:buAutoNum type="arabicPeriod"/>
+            </a:pPr>
+            <a:r>
+              <a:rPr lang="id-ID" sz="1600" b="0" kern="100" dirty="0">
+                <a:solidFill>
+                  <a:schemeClr val="bg1"/>
+                </a:solidFill>
+                <a:effectLst/>
+                <a:latin typeface="Times New Roman" panose="02020603050405020304" pitchFamily="18" charset="0"/>
+                <a:ea typeface="Times New Roman" panose="02020603050405020304" pitchFamily="18" charset="0"/>
+              </a:rPr>
+              <a:t>Meningkatkan efisiensi operasional restoran dengan sistem yang dapat mengurangi antrean dan mempercepat proses pemesanan.</a:t>
+            </a:r>
+            <a:endParaRPr lang="en-US" sz="1600" b="1" kern="100" dirty="0">
+              <a:solidFill>
+                <a:schemeClr val="bg1"/>
+              </a:solidFill>
+              <a:latin typeface="Times New Roman" panose="02020603050405020304" pitchFamily="18" charset="0"/>
+              <a:ea typeface="Times New Roman" panose="02020603050405020304" pitchFamily="18" charset="0"/>
+            </a:endParaRPr>
+          </a:p>
+          <a:p>
+            <a:pPr marL="342900" marR="0" lvl="0" indent="-342900" algn="just">
+              <a:lnSpc>
+                <a:spcPct val="107000"/>
+              </a:lnSpc>
+              <a:spcAft>
+                <a:spcPts val="120"/>
+              </a:spcAft>
+              <a:buFont typeface="+mj-lt"/>
+              <a:buAutoNum type="arabicPeriod"/>
+            </a:pPr>
+            <a:r>
+              <a:rPr lang="id-ID" sz="1600" dirty="0">
+                <a:solidFill>
+                  <a:schemeClr val="bg1"/>
+                </a:solidFill>
+                <a:effectLst/>
+                <a:latin typeface="Times New Roman" panose="02020603050405020304" pitchFamily="18" charset="0"/>
+                <a:ea typeface="Times New Roman" panose="02020603050405020304" pitchFamily="18" charset="0"/>
+              </a:rPr>
+              <a:t>Mengembangkan fitur pencatatan dan pengelolaan pesanan secara otomatis untuk meminimalkan kesalahan dalam pemesanan makanan</a:t>
             </a:r>
             <a:r>
-              <a:rPr lang="en-ID" sz="1800" kern="100" dirty="0">
+              <a:rPr lang="en-US" sz="1600" dirty="0">
+                <a:solidFill>
+                  <a:schemeClr val="bg1"/>
+                </a:solidFill>
                 <a:effectLst/>
                 <a:latin typeface="Times New Roman" panose="02020603050405020304" pitchFamily="18" charset="0"/>
-                <a:ea typeface="Calibri" panose="020F0502020204030204" pitchFamily="34" charset="0"/>
-                <a:cs typeface="Times New Roman" panose="02020603050405020304" pitchFamily="18" charset="0"/>
-              </a:rPr>
-              <a:t> proses </a:t>
-            </a:r>
-            <a:r>
-              <a:rPr lang="en-ID" sz="1800" kern="100" dirty="0" err="1">
-                <a:effectLst/>
-                <a:latin typeface="Times New Roman" panose="02020603050405020304" pitchFamily="18" charset="0"/>
-                <a:ea typeface="Calibri" panose="020F0502020204030204" pitchFamily="34" charset="0"/>
-                <a:cs typeface="Times New Roman" panose="02020603050405020304" pitchFamily="18" charset="0"/>
-              </a:rPr>
-              <a:t>pemesanan</a:t>
-            </a:r>
-            <a:r>
-              <a:rPr lang="en-ID" sz="1800" kern="100" dirty="0">
-                <a:effectLst/>
-                <a:latin typeface="Times New Roman" panose="02020603050405020304" pitchFamily="18" charset="0"/>
-                <a:ea typeface="Calibri" panose="020F0502020204030204" pitchFamily="34" charset="0"/>
-                <a:cs typeface="Times New Roman" panose="02020603050405020304" pitchFamily="18" charset="0"/>
-              </a:rPr>
-              <a:t> </a:t>
-            </a:r>
-            <a:r>
-              <a:rPr lang="en-ID" sz="1800" kern="100" dirty="0" err="1">
-                <a:effectLst/>
-                <a:latin typeface="Times New Roman" panose="02020603050405020304" pitchFamily="18" charset="0"/>
-                <a:ea typeface="Calibri" panose="020F0502020204030204" pitchFamily="34" charset="0"/>
-                <a:cs typeface="Times New Roman" panose="02020603050405020304" pitchFamily="18" charset="0"/>
-              </a:rPr>
-              <a:t>serta</a:t>
-            </a:r>
-            <a:r>
-              <a:rPr lang="en-ID" sz="1800" kern="100" dirty="0">
-                <a:effectLst/>
-                <a:latin typeface="Times New Roman" panose="02020603050405020304" pitchFamily="18" charset="0"/>
-                <a:ea typeface="Calibri" panose="020F0502020204030204" pitchFamily="34" charset="0"/>
-                <a:cs typeface="Times New Roman" panose="02020603050405020304" pitchFamily="18" charset="0"/>
-              </a:rPr>
-              <a:t> </a:t>
-            </a:r>
-            <a:r>
-              <a:rPr lang="en-ID" sz="1800" kern="100" dirty="0" err="1">
-                <a:effectLst/>
-                <a:latin typeface="Times New Roman" panose="02020603050405020304" pitchFamily="18" charset="0"/>
-                <a:ea typeface="Calibri" panose="020F0502020204030204" pitchFamily="34" charset="0"/>
-                <a:cs typeface="Times New Roman" panose="02020603050405020304" pitchFamily="18" charset="0"/>
-              </a:rPr>
-              <a:t>penyajian</a:t>
-            </a:r>
-            <a:r>
-              <a:rPr lang="en-ID" sz="1800" kern="100" dirty="0">
-                <a:effectLst/>
-                <a:latin typeface="Times New Roman" panose="02020603050405020304" pitchFamily="18" charset="0"/>
-                <a:ea typeface="Calibri" panose="020F0502020204030204" pitchFamily="34" charset="0"/>
-                <a:cs typeface="Times New Roman" panose="02020603050405020304" pitchFamily="18" charset="0"/>
-              </a:rPr>
-              <a:t> </a:t>
-            </a:r>
-            <a:r>
-              <a:rPr lang="en-ID" sz="1800" kern="100" dirty="0" err="1">
-                <a:effectLst/>
-                <a:latin typeface="Times New Roman" panose="02020603050405020304" pitchFamily="18" charset="0"/>
-                <a:ea typeface="Calibri" panose="020F0502020204030204" pitchFamily="34" charset="0"/>
-                <a:cs typeface="Times New Roman" panose="02020603050405020304" pitchFamily="18" charset="0"/>
-              </a:rPr>
-              <a:t>makanan</a:t>
-            </a:r>
-            <a:r>
-              <a:rPr lang="en-ID" sz="1800" kern="100" dirty="0">
-                <a:effectLst/>
-                <a:latin typeface="Times New Roman" panose="02020603050405020304" pitchFamily="18" charset="0"/>
-                <a:ea typeface="Calibri" panose="020F0502020204030204" pitchFamily="34" charset="0"/>
-                <a:cs typeface="Times New Roman" panose="02020603050405020304" pitchFamily="18" charset="0"/>
+                <a:ea typeface="Times New Roman" panose="02020603050405020304" pitchFamily="18" charset="0"/>
               </a:rPr>
               <a:t>.</a:t>
             </a:r>
-            <a:endParaRPr lang="id-ID" sz="1800" kern="100" dirty="0">
-              <a:effectLst/>
-              <a:latin typeface="Times New Roman" panose="02020603050405020304" pitchFamily="18" charset="0"/>
-              <a:ea typeface="Calibri" panose="020F0502020204030204" pitchFamily="34" charset="0"/>
-              <a:cs typeface="Times New Roman" panose="02020603050405020304" pitchFamily="18" charset="0"/>
-            </a:endParaRPr>
-          </a:p>
-          <a:p>
-            <a:pPr marL="342900" lvl="0" indent="-342900" algn="just">
-              <a:lnSpc>
-                <a:spcPct val="107000"/>
-              </a:lnSpc>
-              <a:buFont typeface="Symbol" panose="05050102010706020507" pitchFamily="18" charset="2"/>
-              <a:buChar char=""/>
-            </a:pPr>
-            <a:r>
-              <a:rPr lang="en-ID" sz="1800" kern="100" dirty="0" err="1">
-                <a:effectLst/>
-                <a:latin typeface="Times New Roman" panose="02020603050405020304" pitchFamily="18" charset="0"/>
-                <a:ea typeface="Calibri" panose="020F0502020204030204" pitchFamily="34" charset="0"/>
-                <a:cs typeface="Times New Roman" panose="02020603050405020304" pitchFamily="18" charset="0"/>
-              </a:rPr>
-              <a:t>Mengembangkan</a:t>
-            </a:r>
-            <a:r>
-              <a:rPr lang="en-ID" sz="1800" kern="100" dirty="0">
-                <a:effectLst/>
-                <a:latin typeface="Times New Roman" panose="02020603050405020304" pitchFamily="18" charset="0"/>
-                <a:ea typeface="Calibri" panose="020F0502020204030204" pitchFamily="34" charset="0"/>
-                <a:cs typeface="Times New Roman" panose="02020603050405020304" pitchFamily="18" charset="0"/>
-              </a:rPr>
-              <a:t> chatbot AI </a:t>
-            </a:r>
-            <a:r>
-              <a:rPr lang="en-ID" sz="1800" kern="100" dirty="0" err="1">
-                <a:effectLst/>
-                <a:latin typeface="Times New Roman" panose="02020603050405020304" pitchFamily="18" charset="0"/>
-                <a:ea typeface="Calibri" panose="020F0502020204030204" pitchFamily="34" charset="0"/>
-                <a:cs typeface="Times New Roman" panose="02020603050405020304" pitchFamily="18" charset="0"/>
-              </a:rPr>
-              <a:t>untuk</a:t>
-            </a:r>
-            <a:r>
-              <a:rPr lang="en-ID" sz="1800" kern="100" dirty="0">
-                <a:effectLst/>
-                <a:latin typeface="Times New Roman" panose="02020603050405020304" pitchFamily="18" charset="0"/>
-                <a:ea typeface="Calibri" panose="020F0502020204030204" pitchFamily="34" charset="0"/>
-                <a:cs typeface="Times New Roman" panose="02020603050405020304" pitchFamily="18" charset="0"/>
-              </a:rPr>
-              <a:t> </a:t>
-            </a:r>
-            <a:r>
-              <a:rPr lang="en-ID" sz="1800" kern="100" dirty="0" err="1">
-                <a:effectLst/>
-                <a:latin typeface="Times New Roman" panose="02020603050405020304" pitchFamily="18" charset="0"/>
-                <a:ea typeface="Calibri" panose="020F0502020204030204" pitchFamily="34" charset="0"/>
-                <a:cs typeface="Times New Roman" panose="02020603050405020304" pitchFamily="18" charset="0"/>
-              </a:rPr>
-              <a:t>melayani</a:t>
-            </a:r>
-            <a:r>
-              <a:rPr lang="en-ID" sz="1800" kern="100" dirty="0">
-                <a:effectLst/>
-                <a:latin typeface="Times New Roman" panose="02020603050405020304" pitchFamily="18" charset="0"/>
-                <a:ea typeface="Calibri" panose="020F0502020204030204" pitchFamily="34" charset="0"/>
-                <a:cs typeface="Times New Roman" panose="02020603050405020304" pitchFamily="18" charset="0"/>
-              </a:rPr>
-              <a:t> </a:t>
-            </a:r>
-            <a:r>
-              <a:rPr lang="en-ID" sz="1800" kern="100" dirty="0" err="1">
-                <a:effectLst/>
-                <a:latin typeface="Times New Roman" panose="02020603050405020304" pitchFamily="18" charset="0"/>
-                <a:ea typeface="Calibri" panose="020F0502020204030204" pitchFamily="34" charset="0"/>
-                <a:cs typeface="Times New Roman" panose="02020603050405020304" pitchFamily="18" charset="0"/>
-              </a:rPr>
-              <a:t>pelanggan</a:t>
-            </a:r>
-            <a:r>
-              <a:rPr lang="en-ID" sz="1800" kern="100" dirty="0">
-                <a:effectLst/>
-                <a:latin typeface="Times New Roman" panose="02020603050405020304" pitchFamily="18" charset="0"/>
-                <a:ea typeface="Calibri" panose="020F0502020204030204" pitchFamily="34" charset="0"/>
-                <a:cs typeface="Times New Roman" panose="02020603050405020304" pitchFamily="18" charset="0"/>
-              </a:rPr>
-              <a:t> </a:t>
-            </a:r>
-            <a:r>
-              <a:rPr lang="en-ID" sz="1800" kern="100" dirty="0" err="1">
-                <a:effectLst/>
-                <a:latin typeface="Times New Roman" panose="02020603050405020304" pitchFamily="18" charset="0"/>
-                <a:ea typeface="Calibri" panose="020F0502020204030204" pitchFamily="34" charset="0"/>
-                <a:cs typeface="Times New Roman" panose="02020603050405020304" pitchFamily="18" charset="0"/>
-              </a:rPr>
-              <a:t>secara</a:t>
-            </a:r>
-            <a:r>
-              <a:rPr lang="en-ID" sz="1800" kern="100" dirty="0">
-                <a:effectLst/>
-                <a:latin typeface="Times New Roman" panose="02020603050405020304" pitchFamily="18" charset="0"/>
-                <a:ea typeface="Calibri" panose="020F0502020204030204" pitchFamily="34" charset="0"/>
-                <a:cs typeface="Times New Roman" panose="02020603050405020304" pitchFamily="18" charset="0"/>
-              </a:rPr>
-              <a:t> </a:t>
-            </a:r>
-            <a:r>
-              <a:rPr lang="en-ID" sz="1800" kern="100" dirty="0" err="1">
-                <a:effectLst/>
-                <a:latin typeface="Times New Roman" panose="02020603050405020304" pitchFamily="18" charset="0"/>
-                <a:ea typeface="Calibri" panose="020F0502020204030204" pitchFamily="34" charset="0"/>
-                <a:cs typeface="Times New Roman" panose="02020603050405020304" pitchFamily="18" charset="0"/>
-              </a:rPr>
-              <a:t>otomatis</a:t>
-            </a:r>
-            <a:r>
-              <a:rPr lang="en-ID" sz="1800" kern="100" dirty="0">
-                <a:effectLst/>
-                <a:latin typeface="Times New Roman" panose="02020603050405020304" pitchFamily="18" charset="0"/>
-                <a:ea typeface="Calibri" panose="020F0502020204030204" pitchFamily="34" charset="0"/>
-                <a:cs typeface="Times New Roman" panose="02020603050405020304" pitchFamily="18" charset="0"/>
-              </a:rPr>
-              <a:t> </a:t>
-            </a:r>
-            <a:r>
-              <a:rPr lang="en-ID" sz="1800" kern="100" dirty="0" err="1">
-                <a:effectLst/>
-                <a:latin typeface="Times New Roman" panose="02020603050405020304" pitchFamily="18" charset="0"/>
-                <a:ea typeface="Calibri" panose="020F0502020204030204" pitchFamily="34" charset="0"/>
-                <a:cs typeface="Times New Roman" panose="02020603050405020304" pitchFamily="18" charset="0"/>
-              </a:rPr>
-              <a:t>dalam</a:t>
-            </a:r>
-            <a:r>
-              <a:rPr lang="en-ID" sz="1800" kern="100" dirty="0">
-                <a:effectLst/>
-                <a:latin typeface="Times New Roman" panose="02020603050405020304" pitchFamily="18" charset="0"/>
-                <a:ea typeface="Calibri" panose="020F0502020204030204" pitchFamily="34" charset="0"/>
-                <a:cs typeface="Times New Roman" panose="02020603050405020304" pitchFamily="18" charset="0"/>
-              </a:rPr>
-              <a:t> proses </a:t>
-            </a:r>
-            <a:r>
-              <a:rPr lang="en-ID" sz="1800" kern="100" dirty="0" err="1">
-                <a:effectLst/>
-                <a:latin typeface="Times New Roman" panose="02020603050405020304" pitchFamily="18" charset="0"/>
-                <a:ea typeface="Calibri" panose="020F0502020204030204" pitchFamily="34" charset="0"/>
-                <a:cs typeface="Times New Roman" panose="02020603050405020304" pitchFamily="18" charset="0"/>
-              </a:rPr>
-              <a:t>pemesanan</a:t>
-            </a:r>
-            <a:r>
-              <a:rPr lang="en-ID" sz="1800" kern="100" dirty="0">
-                <a:effectLst/>
-                <a:latin typeface="Times New Roman" panose="02020603050405020304" pitchFamily="18" charset="0"/>
-                <a:ea typeface="Calibri" panose="020F0502020204030204" pitchFamily="34" charset="0"/>
-                <a:cs typeface="Times New Roman" panose="02020603050405020304" pitchFamily="18" charset="0"/>
-              </a:rPr>
-              <a:t> dan </a:t>
-            </a:r>
-            <a:r>
-              <a:rPr lang="en-ID" sz="1800" kern="100" dirty="0" err="1">
-                <a:effectLst/>
-                <a:latin typeface="Times New Roman" panose="02020603050405020304" pitchFamily="18" charset="0"/>
-                <a:ea typeface="Calibri" panose="020F0502020204030204" pitchFamily="34" charset="0"/>
-                <a:cs typeface="Times New Roman" panose="02020603050405020304" pitchFamily="18" charset="0"/>
-              </a:rPr>
-              <a:t>pertanyaan</a:t>
-            </a:r>
-            <a:r>
-              <a:rPr lang="en-ID" sz="1800" kern="100" dirty="0">
-                <a:effectLst/>
-                <a:latin typeface="Times New Roman" panose="02020603050405020304" pitchFamily="18" charset="0"/>
-                <a:ea typeface="Calibri" panose="020F0502020204030204" pitchFamily="34" charset="0"/>
-                <a:cs typeface="Times New Roman" panose="02020603050405020304" pitchFamily="18" charset="0"/>
-              </a:rPr>
-              <a:t>.</a:t>
-            </a:r>
-            <a:endParaRPr lang="id-ID" sz="1800" kern="100" dirty="0">
-              <a:effectLst/>
-              <a:latin typeface="Times New Roman" panose="02020603050405020304" pitchFamily="18" charset="0"/>
-              <a:ea typeface="Calibri" panose="020F0502020204030204" pitchFamily="34" charset="0"/>
-              <a:cs typeface="Times New Roman" panose="02020603050405020304" pitchFamily="18" charset="0"/>
-            </a:endParaRPr>
-          </a:p>
-          <a:p>
-            <a:pPr marL="342900" lvl="0" indent="-342900" algn="just">
-              <a:lnSpc>
-                <a:spcPct val="107000"/>
-              </a:lnSpc>
-              <a:buFont typeface="Symbol" panose="05050102010706020507" pitchFamily="18" charset="2"/>
-              <a:buChar char=""/>
-            </a:pPr>
-            <a:r>
-              <a:rPr lang="en-ID" sz="1800" kern="100" dirty="0" err="1">
-                <a:effectLst/>
-                <a:latin typeface="Times New Roman" panose="02020603050405020304" pitchFamily="18" charset="0"/>
-                <a:ea typeface="Calibri" panose="020F0502020204030204" pitchFamily="34" charset="0"/>
-                <a:cs typeface="Times New Roman" panose="02020603050405020304" pitchFamily="18" charset="0"/>
-              </a:rPr>
-              <a:t>Meningkatkan</a:t>
-            </a:r>
-            <a:r>
-              <a:rPr lang="en-ID" sz="1800" kern="100" dirty="0">
-                <a:effectLst/>
-                <a:latin typeface="Times New Roman" panose="02020603050405020304" pitchFamily="18" charset="0"/>
-                <a:ea typeface="Calibri" panose="020F0502020204030204" pitchFamily="34" charset="0"/>
-                <a:cs typeface="Times New Roman" panose="02020603050405020304" pitchFamily="18" charset="0"/>
-              </a:rPr>
-              <a:t> </a:t>
-            </a:r>
-            <a:r>
-              <a:rPr lang="en-ID" sz="1800" kern="100" dirty="0" err="1">
-                <a:effectLst/>
-                <a:latin typeface="Times New Roman" panose="02020603050405020304" pitchFamily="18" charset="0"/>
-                <a:ea typeface="Calibri" panose="020F0502020204030204" pitchFamily="34" charset="0"/>
-                <a:cs typeface="Times New Roman" panose="02020603050405020304" pitchFamily="18" charset="0"/>
-              </a:rPr>
-              <a:t>pengalaman</a:t>
-            </a:r>
-            <a:r>
-              <a:rPr lang="en-ID" sz="1800" kern="100" dirty="0">
-                <a:effectLst/>
-                <a:latin typeface="Times New Roman" panose="02020603050405020304" pitchFamily="18" charset="0"/>
-                <a:ea typeface="Calibri" panose="020F0502020204030204" pitchFamily="34" charset="0"/>
-                <a:cs typeface="Times New Roman" panose="02020603050405020304" pitchFamily="18" charset="0"/>
-              </a:rPr>
-              <a:t> </a:t>
-            </a:r>
-            <a:r>
-              <a:rPr lang="en-ID" sz="1800" kern="100" dirty="0" err="1">
-                <a:effectLst/>
-                <a:latin typeface="Times New Roman" panose="02020603050405020304" pitchFamily="18" charset="0"/>
-                <a:ea typeface="Calibri" panose="020F0502020204030204" pitchFamily="34" charset="0"/>
-                <a:cs typeface="Times New Roman" panose="02020603050405020304" pitchFamily="18" charset="0"/>
-              </a:rPr>
-              <a:t>pelanggan</a:t>
-            </a:r>
-            <a:r>
-              <a:rPr lang="en-ID" sz="1800" kern="100" dirty="0">
-                <a:effectLst/>
-                <a:latin typeface="Times New Roman" panose="02020603050405020304" pitchFamily="18" charset="0"/>
-                <a:ea typeface="Calibri" panose="020F0502020204030204" pitchFamily="34" charset="0"/>
-                <a:cs typeface="Times New Roman" panose="02020603050405020304" pitchFamily="18" charset="0"/>
-              </a:rPr>
-              <a:t> </a:t>
-            </a:r>
-            <a:r>
-              <a:rPr lang="en-ID" sz="1800" kern="100" dirty="0" err="1">
-                <a:effectLst/>
-                <a:latin typeface="Times New Roman" panose="02020603050405020304" pitchFamily="18" charset="0"/>
-                <a:ea typeface="Calibri" panose="020F0502020204030204" pitchFamily="34" charset="0"/>
-                <a:cs typeface="Times New Roman" panose="02020603050405020304" pitchFamily="18" charset="0"/>
-              </a:rPr>
-              <a:t>dengan</a:t>
-            </a:r>
-            <a:r>
-              <a:rPr lang="en-ID" sz="1800" kern="100" dirty="0">
-                <a:effectLst/>
-                <a:latin typeface="Times New Roman" panose="02020603050405020304" pitchFamily="18" charset="0"/>
-                <a:ea typeface="Calibri" panose="020F0502020204030204" pitchFamily="34" charset="0"/>
-                <a:cs typeface="Times New Roman" panose="02020603050405020304" pitchFamily="18" charset="0"/>
-              </a:rPr>
-              <a:t> </a:t>
-            </a:r>
-            <a:r>
-              <a:rPr lang="en-ID" sz="1800" kern="100" dirty="0" err="1">
-                <a:effectLst/>
-                <a:latin typeface="Times New Roman" panose="02020603050405020304" pitchFamily="18" charset="0"/>
-                <a:ea typeface="Calibri" panose="020F0502020204030204" pitchFamily="34" charset="0"/>
-                <a:cs typeface="Times New Roman" panose="02020603050405020304" pitchFamily="18" charset="0"/>
-              </a:rPr>
-              <a:t>rekomendasi</a:t>
-            </a:r>
-            <a:r>
-              <a:rPr lang="en-ID" sz="1800" kern="100" dirty="0">
-                <a:effectLst/>
-                <a:latin typeface="Times New Roman" panose="02020603050405020304" pitchFamily="18" charset="0"/>
-                <a:ea typeface="Calibri" panose="020F0502020204030204" pitchFamily="34" charset="0"/>
-                <a:cs typeface="Times New Roman" panose="02020603050405020304" pitchFamily="18" charset="0"/>
-              </a:rPr>
-              <a:t> menu </a:t>
-            </a:r>
-            <a:r>
-              <a:rPr lang="en-ID" sz="1800" kern="100" dirty="0" err="1">
-                <a:effectLst/>
-                <a:latin typeface="Times New Roman" panose="02020603050405020304" pitchFamily="18" charset="0"/>
-                <a:ea typeface="Calibri" panose="020F0502020204030204" pitchFamily="34" charset="0"/>
-                <a:cs typeface="Times New Roman" panose="02020603050405020304" pitchFamily="18" charset="0"/>
-              </a:rPr>
-              <a:t>berbasis</a:t>
-            </a:r>
-            <a:r>
-              <a:rPr lang="en-ID" sz="1800" kern="100" dirty="0">
-                <a:effectLst/>
-                <a:latin typeface="Times New Roman" panose="02020603050405020304" pitchFamily="18" charset="0"/>
-                <a:ea typeface="Calibri" panose="020F0502020204030204" pitchFamily="34" charset="0"/>
-                <a:cs typeface="Times New Roman" panose="02020603050405020304" pitchFamily="18" charset="0"/>
-              </a:rPr>
-              <a:t> </a:t>
-            </a:r>
-            <a:r>
-              <a:rPr lang="en-ID" sz="1800" kern="100" dirty="0" err="1">
-                <a:effectLst/>
-                <a:latin typeface="Times New Roman" panose="02020603050405020304" pitchFamily="18" charset="0"/>
-                <a:ea typeface="Calibri" panose="020F0502020204030204" pitchFamily="34" charset="0"/>
-                <a:cs typeface="Times New Roman" panose="02020603050405020304" pitchFamily="18" charset="0"/>
-              </a:rPr>
-              <a:t>AI.Meningkatkan</a:t>
-            </a:r>
-            <a:r>
-              <a:rPr lang="en-ID" sz="1800" kern="100" dirty="0">
-                <a:effectLst/>
-                <a:latin typeface="Times New Roman" panose="02020603050405020304" pitchFamily="18" charset="0"/>
-                <a:ea typeface="Calibri" panose="020F0502020204030204" pitchFamily="34" charset="0"/>
-                <a:cs typeface="Times New Roman" panose="02020603050405020304" pitchFamily="18" charset="0"/>
-              </a:rPr>
-              <a:t> </a:t>
-            </a:r>
-            <a:r>
-              <a:rPr lang="en-ID" sz="1800" kern="100" dirty="0" err="1">
-                <a:effectLst/>
-                <a:latin typeface="Times New Roman" panose="02020603050405020304" pitchFamily="18" charset="0"/>
-                <a:ea typeface="Calibri" panose="020F0502020204030204" pitchFamily="34" charset="0"/>
-                <a:cs typeface="Times New Roman" panose="02020603050405020304" pitchFamily="18" charset="0"/>
-              </a:rPr>
-              <a:t>efisiensi</a:t>
-            </a:r>
-            <a:r>
-              <a:rPr lang="en-ID" sz="1800" kern="100" dirty="0">
-                <a:effectLst/>
-                <a:latin typeface="Times New Roman" panose="02020603050405020304" pitchFamily="18" charset="0"/>
-                <a:ea typeface="Calibri" panose="020F0502020204030204" pitchFamily="34" charset="0"/>
-                <a:cs typeface="Times New Roman" panose="02020603050405020304" pitchFamily="18" charset="0"/>
-              </a:rPr>
-              <a:t> </a:t>
-            </a:r>
-            <a:r>
-              <a:rPr lang="en-ID" sz="1800" kern="100" dirty="0" err="1">
-                <a:effectLst/>
-                <a:latin typeface="Times New Roman" panose="02020603050405020304" pitchFamily="18" charset="0"/>
-                <a:ea typeface="Calibri" panose="020F0502020204030204" pitchFamily="34" charset="0"/>
-                <a:cs typeface="Times New Roman" panose="02020603050405020304" pitchFamily="18" charset="0"/>
-              </a:rPr>
-              <a:t>operasional</a:t>
-            </a:r>
-            <a:r>
-              <a:rPr lang="en-ID" sz="1800" kern="100" dirty="0">
-                <a:effectLst/>
-                <a:latin typeface="Times New Roman" panose="02020603050405020304" pitchFamily="18" charset="0"/>
-                <a:ea typeface="Calibri" panose="020F0502020204030204" pitchFamily="34" charset="0"/>
-                <a:cs typeface="Times New Roman" panose="02020603050405020304" pitchFamily="18" charset="0"/>
-              </a:rPr>
-              <a:t> </a:t>
-            </a:r>
-            <a:r>
-              <a:rPr lang="en-ID" sz="1800" kern="100" dirty="0" err="1">
-                <a:effectLst/>
-                <a:latin typeface="Times New Roman" panose="02020603050405020304" pitchFamily="18" charset="0"/>
-                <a:ea typeface="Calibri" panose="020F0502020204030204" pitchFamily="34" charset="0"/>
-                <a:cs typeface="Times New Roman" panose="02020603050405020304" pitchFamily="18" charset="0"/>
-              </a:rPr>
-              <a:t>restoran</a:t>
-            </a:r>
-            <a:r>
-              <a:rPr lang="en-ID" sz="1800" kern="100" dirty="0">
-                <a:effectLst/>
-                <a:latin typeface="Times New Roman" panose="02020603050405020304" pitchFamily="18" charset="0"/>
-                <a:ea typeface="Calibri" panose="020F0502020204030204" pitchFamily="34" charset="0"/>
-                <a:cs typeface="Times New Roman" panose="02020603050405020304" pitchFamily="18" charset="0"/>
-              </a:rPr>
-              <a:t>.</a:t>
-            </a:r>
-            <a:endParaRPr lang="id-ID" sz="1800" kern="100" dirty="0">
-              <a:effectLst/>
-              <a:latin typeface="Times New Roman" panose="02020603050405020304" pitchFamily="18" charset="0"/>
-              <a:ea typeface="Calibri" panose="020F0502020204030204" pitchFamily="34" charset="0"/>
-              <a:cs typeface="Times New Roman" panose="02020603050405020304" pitchFamily="18" charset="0"/>
-            </a:endParaRPr>
-          </a:p>
-          <a:p>
-            <a:pPr marL="342900" lvl="0" indent="-342900" algn="just">
-              <a:lnSpc>
-                <a:spcPct val="107000"/>
-              </a:lnSpc>
-              <a:spcAft>
-                <a:spcPts val="800"/>
-              </a:spcAft>
-              <a:buFont typeface="Symbol" panose="05050102010706020507" pitchFamily="18" charset="2"/>
-              <a:buChar char=""/>
-            </a:pPr>
-            <a:r>
-              <a:rPr lang="en-ID" sz="1800" kern="100" dirty="0" err="1">
-                <a:effectLst/>
-                <a:latin typeface="Times New Roman" panose="02020603050405020304" pitchFamily="18" charset="0"/>
-                <a:ea typeface="Calibri" panose="020F0502020204030204" pitchFamily="34" charset="0"/>
-                <a:cs typeface="Times New Roman" panose="02020603050405020304" pitchFamily="18" charset="0"/>
-              </a:rPr>
-              <a:t>Meningkatkan</a:t>
-            </a:r>
-            <a:r>
-              <a:rPr lang="en-ID" sz="1800" kern="100" dirty="0">
-                <a:effectLst/>
-                <a:latin typeface="Times New Roman" panose="02020603050405020304" pitchFamily="18" charset="0"/>
-                <a:ea typeface="Calibri" panose="020F0502020204030204" pitchFamily="34" charset="0"/>
-                <a:cs typeface="Times New Roman" panose="02020603050405020304" pitchFamily="18" charset="0"/>
-              </a:rPr>
-              <a:t> </a:t>
-            </a:r>
-            <a:r>
-              <a:rPr lang="en-ID" sz="1800" kern="100" dirty="0" err="1">
-                <a:effectLst/>
-                <a:latin typeface="Times New Roman" panose="02020603050405020304" pitchFamily="18" charset="0"/>
-                <a:ea typeface="Calibri" panose="020F0502020204030204" pitchFamily="34" charset="0"/>
-                <a:cs typeface="Times New Roman" panose="02020603050405020304" pitchFamily="18" charset="0"/>
-              </a:rPr>
-              <a:t>efisiensi</a:t>
-            </a:r>
-            <a:r>
-              <a:rPr lang="en-ID" sz="1800" kern="100" dirty="0">
-                <a:effectLst/>
-                <a:latin typeface="Times New Roman" panose="02020603050405020304" pitchFamily="18" charset="0"/>
-                <a:ea typeface="Calibri" panose="020F0502020204030204" pitchFamily="34" charset="0"/>
-                <a:cs typeface="Times New Roman" panose="02020603050405020304" pitchFamily="18" charset="0"/>
-              </a:rPr>
-              <a:t> dan </a:t>
-            </a:r>
-            <a:r>
-              <a:rPr lang="en-ID" sz="1800" kern="100" dirty="0" err="1">
-                <a:effectLst/>
-                <a:latin typeface="Times New Roman" panose="02020603050405020304" pitchFamily="18" charset="0"/>
-                <a:ea typeface="Calibri" panose="020F0502020204030204" pitchFamily="34" charset="0"/>
-                <a:cs typeface="Times New Roman" panose="02020603050405020304" pitchFamily="18" charset="0"/>
-              </a:rPr>
-              <a:t>kenyamanan</a:t>
-            </a:r>
-            <a:r>
-              <a:rPr lang="en-ID" sz="1800" kern="100" dirty="0">
-                <a:effectLst/>
-                <a:latin typeface="Times New Roman" panose="02020603050405020304" pitchFamily="18" charset="0"/>
-                <a:ea typeface="Calibri" panose="020F0502020204030204" pitchFamily="34" charset="0"/>
-                <a:cs typeface="Times New Roman" panose="02020603050405020304" pitchFamily="18" charset="0"/>
-              </a:rPr>
-              <a:t> </a:t>
-            </a:r>
-            <a:r>
-              <a:rPr lang="en-ID" sz="1800" kern="100" dirty="0" err="1">
-                <a:effectLst/>
-                <a:latin typeface="Times New Roman" panose="02020603050405020304" pitchFamily="18" charset="0"/>
-                <a:ea typeface="Calibri" panose="020F0502020204030204" pitchFamily="34" charset="0"/>
-                <a:cs typeface="Times New Roman" panose="02020603050405020304" pitchFamily="18" charset="0"/>
-              </a:rPr>
-              <a:t>bagi</a:t>
-            </a:r>
-            <a:r>
-              <a:rPr lang="en-ID" sz="1800" kern="100" dirty="0">
-                <a:effectLst/>
-                <a:latin typeface="Times New Roman" panose="02020603050405020304" pitchFamily="18" charset="0"/>
-                <a:ea typeface="Calibri" panose="020F0502020204030204" pitchFamily="34" charset="0"/>
-                <a:cs typeface="Times New Roman" panose="02020603050405020304" pitchFamily="18" charset="0"/>
-              </a:rPr>
-              <a:t> </a:t>
-            </a:r>
-            <a:r>
-              <a:rPr lang="en-ID" sz="1800" kern="100" dirty="0" err="1">
-                <a:effectLst/>
-                <a:latin typeface="Times New Roman" panose="02020603050405020304" pitchFamily="18" charset="0"/>
-                <a:ea typeface="Calibri" panose="020F0502020204030204" pitchFamily="34" charset="0"/>
-                <a:cs typeface="Times New Roman" panose="02020603050405020304" pitchFamily="18" charset="0"/>
-              </a:rPr>
-              <a:t>pelanggan</a:t>
-            </a:r>
-            <a:r>
-              <a:rPr lang="en-ID" sz="1800" kern="100" dirty="0">
-                <a:effectLst/>
-                <a:latin typeface="Times New Roman" panose="02020603050405020304" pitchFamily="18" charset="0"/>
-                <a:ea typeface="Calibri" panose="020F0502020204030204" pitchFamily="34" charset="0"/>
-                <a:cs typeface="Times New Roman" panose="02020603050405020304" pitchFamily="18" charset="0"/>
-              </a:rPr>
-              <a:t> </a:t>
-            </a:r>
-            <a:r>
-              <a:rPr lang="en-ID" sz="1800" kern="100" dirty="0" err="1">
-                <a:effectLst/>
-                <a:latin typeface="Times New Roman" panose="02020603050405020304" pitchFamily="18" charset="0"/>
-                <a:ea typeface="Calibri" panose="020F0502020204030204" pitchFamily="34" charset="0"/>
-                <a:cs typeface="Times New Roman" panose="02020603050405020304" pitchFamily="18" charset="0"/>
-              </a:rPr>
-              <a:t>serta</a:t>
-            </a:r>
-            <a:r>
-              <a:rPr lang="en-ID" sz="1800" kern="100" dirty="0">
-                <a:effectLst/>
-                <a:latin typeface="Times New Roman" panose="02020603050405020304" pitchFamily="18" charset="0"/>
-                <a:ea typeface="Calibri" panose="020F0502020204030204" pitchFamily="34" charset="0"/>
-                <a:cs typeface="Times New Roman" panose="02020603050405020304" pitchFamily="18" charset="0"/>
-              </a:rPr>
-              <a:t> </a:t>
-            </a:r>
-            <a:r>
-              <a:rPr lang="en-ID" sz="1800" kern="100" dirty="0" err="1">
-                <a:effectLst/>
-                <a:latin typeface="Times New Roman" panose="02020603050405020304" pitchFamily="18" charset="0"/>
-                <a:ea typeface="Calibri" panose="020F0502020204030204" pitchFamily="34" charset="0"/>
-                <a:cs typeface="Times New Roman" panose="02020603050405020304" pitchFamily="18" charset="0"/>
-              </a:rPr>
-              <a:t>penjual</a:t>
-            </a:r>
-            <a:endParaRPr lang="id-ID" sz="1800" kern="100" dirty="0">
-              <a:effectLst/>
-              <a:latin typeface="Times New Roman" panose="02020603050405020304" pitchFamily="18" charset="0"/>
-              <a:ea typeface="Calibri" panose="020F0502020204030204" pitchFamily="34" charset="0"/>
-              <a:cs typeface="Times New Roman" panose="02020603050405020304" pitchFamily="18" charset="0"/>
+            <a:endParaRPr lang="en-US" sz="1600" dirty="0">
+              <a:solidFill>
+                <a:schemeClr val="bg1"/>
+              </a:solidFill>
             </a:endParaRPr>
           </a:p>
         </p:txBody>
@@ -9393,8 +9046,8 @@
         </p:nvSpPr>
         <p:spPr>
           <a:xfrm>
-            <a:off x="185636" y="1336650"/>
-            <a:ext cx="8200375" cy="1235100"/>
+            <a:off x="185636" y="1336649"/>
+            <a:ext cx="8200375" cy="3213919"/>
           </a:xfrm>
           <a:prstGeom prst="rect">
             <a:avLst/>
@@ -9406,348 +9059,200 @@
           </a:bodyPr>
           <a:lstStyle/>
           <a:p>
-            <a:pPr algn="just">
+            <a:pPr marL="0" marR="0" indent="0" algn="ctr">
               <a:lnSpc>
-                <a:spcPct val="150000"/>
+                <a:spcPct val="107000"/>
               </a:lnSpc>
               <a:spcAft>
-                <a:spcPts val="1000"/>
-              </a:spcAft>
+                <a:spcPts val="265"/>
+              </a:spcAft>
+              <a:buNone/>
             </a:pPr>
             <a:r>
-              <a:rPr lang="en-US" sz="1800" dirty="0">
+              <a:rPr lang="id-ID" sz="1000" kern="100" dirty="0">
                 <a:solidFill>
                   <a:schemeClr val="bg1"/>
                 </a:solidFill>
                 <a:effectLst/>
                 <a:latin typeface="Times New Roman" panose="02020603050405020304" pitchFamily="18" charset="0"/>
-                <a:ea typeface="Calibri" panose="020F0502020204030204" pitchFamily="34" charset="0"/>
-                <a:cs typeface="Times New Roman" panose="02020603050405020304" pitchFamily="18" charset="0"/>
+                <a:ea typeface="Times New Roman" panose="02020603050405020304" pitchFamily="18" charset="0"/>
               </a:rPr>
-              <a:t>      </a:t>
+              <a:t>AINAH, Saripah, et al. Implementasi Framework Flutter Untuk Pengembangan Aplikasi Restoran Dengan Penerapan Api Chatgpt. JATI (Jurnal Mahasiswa Teknik Informatika), 2024, 8.3: 3802-3809. </a:t>
             </a:r>
+          </a:p>
+          <a:p>
+            <a:pPr marL="0" marR="0" indent="0" algn="ctr">
+              <a:lnSpc>
+                <a:spcPct val="107000"/>
+              </a:lnSpc>
+              <a:spcAft>
+                <a:spcPts val="265"/>
+              </a:spcAft>
+              <a:buNone/>
+            </a:pPr>
             <a:r>
-              <a:rPr lang="en-US" sz="1200" dirty="0">
+              <a:rPr lang="id-ID" sz="1000" kern="100" dirty="0">
                 <a:solidFill>
                   <a:schemeClr val="bg1"/>
                 </a:solidFill>
                 <a:effectLst/>
                 <a:latin typeface="Times New Roman" panose="02020603050405020304" pitchFamily="18" charset="0"/>
-                <a:ea typeface="Calibri" panose="020F0502020204030204" pitchFamily="34" charset="0"/>
-                <a:cs typeface="Times New Roman" panose="02020603050405020304" pitchFamily="18" charset="0"/>
+                <a:ea typeface="Times New Roman" panose="02020603050405020304" pitchFamily="18" charset="0"/>
               </a:rPr>
-              <a:t>NUGRAHA, </a:t>
+              <a:t> </a:t>
             </a:r>
+          </a:p>
+          <a:p>
+            <a:pPr marL="0" marR="0" indent="0" algn="ctr">
+              <a:lnSpc>
+                <a:spcPct val="107000"/>
+              </a:lnSpc>
+              <a:spcAft>
+                <a:spcPts val="265"/>
+              </a:spcAft>
+              <a:buNone/>
+            </a:pPr>
             <a:r>
-              <a:rPr lang="en-US" sz="1200" dirty="0" err="1">
+              <a:rPr lang="id-ID" sz="1000" kern="100" dirty="0">
                 <a:solidFill>
                   <a:schemeClr val="bg1"/>
                 </a:solidFill>
                 <a:effectLst/>
                 <a:latin typeface="Times New Roman" panose="02020603050405020304" pitchFamily="18" charset="0"/>
-                <a:ea typeface="Calibri" panose="020F0502020204030204" pitchFamily="34" charset="0"/>
-                <a:cs typeface="Times New Roman" panose="02020603050405020304" pitchFamily="18" charset="0"/>
+                <a:ea typeface="Times New Roman" panose="02020603050405020304" pitchFamily="18" charset="0"/>
               </a:rPr>
-              <a:t>Rivaldi</a:t>
+              <a:t>Fajri, I. S. A. (2024). WARUNG KOPI CERDAS BERBASIS WEBSITE MANGGUNAKAN METODE RAPID APPLICATION DEVELOPMENT (Doctoral dissertation, UNIVERSITAS NASIONAL). </a:t>
             </a:r>
+          </a:p>
+          <a:p>
+            <a:pPr marL="0" marR="0" indent="0" algn="ctr">
+              <a:lnSpc>
+                <a:spcPct val="107000"/>
+              </a:lnSpc>
+              <a:spcAft>
+                <a:spcPts val="265"/>
+              </a:spcAft>
+              <a:buNone/>
+            </a:pPr>
             <a:r>
-              <a:rPr lang="en-US" sz="1200" dirty="0">
+              <a:rPr lang="id-ID" sz="1000" kern="100" dirty="0">
                 <a:solidFill>
                   <a:schemeClr val="bg1"/>
                 </a:solidFill>
                 <a:effectLst/>
                 <a:latin typeface="Times New Roman" panose="02020603050405020304" pitchFamily="18" charset="0"/>
-                <a:ea typeface="Calibri" panose="020F0502020204030204" pitchFamily="34" charset="0"/>
-                <a:cs typeface="Times New Roman" panose="02020603050405020304" pitchFamily="18" charset="0"/>
+                <a:ea typeface="Times New Roman" panose="02020603050405020304" pitchFamily="18" charset="0"/>
               </a:rPr>
-              <a:t> Kenny; PRAMUDWIATMOKO, Arif. </a:t>
+              <a:t> </a:t>
             </a:r>
+          </a:p>
+          <a:p>
+            <a:pPr marL="0" marR="0" indent="0" algn="ctr">
+              <a:lnSpc>
+                <a:spcPct val="107000"/>
+              </a:lnSpc>
+              <a:spcAft>
+                <a:spcPts val="265"/>
+              </a:spcAft>
+              <a:buNone/>
+            </a:pPr>
             <a:r>
-              <a:rPr lang="en-US" sz="1200" dirty="0" err="1">
+              <a:rPr lang="id-ID" sz="1000" kern="100" dirty="0">
                 <a:solidFill>
                   <a:schemeClr val="bg1"/>
                 </a:solidFill>
                 <a:effectLst/>
                 <a:latin typeface="Times New Roman" panose="02020603050405020304" pitchFamily="18" charset="0"/>
-                <a:ea typeface="Calibri" panose="020F0502020204030204" pitchFamily="34" charset="0"/>
-                <a:cs typeface="Times New Roman" panose="02020603050405020304" pitchFamily="18" charset="0"/>
+                <a:ea typeface="Times New Roman" panose="02020603050405020304" pitchFamily="18" charset="0"/>
               </a:rPr>
-              <a:t>Inovasi</a:t>
+              <a:t>Nugraha, Rivaldi Kenny, and Arif Pramudwiatmoko. "Inovasi Digital dalam Pemesanan Makanan: Aplikasi Mobile Android untuk Pemesanan Ayam Geprek Secara Online." Edumatic: Jurnal Pendidikan Informatika 8.2 (2024): 694-703. </a:t>
             </a:r>
+          </a:p>
+          <a:p>
+            <a:pPr marL="0" marR="0" indent="0" algn="ctr">
+              <a:lnSpc>
+                <a:spcPct val="107000"/>
+              </a:lnSpc>
+              <a:spcAft>
+                <a:spcPts val="265"/>
+              </a:spcAft>
+              <a:buNone/>
+            </a:pPr>
             <a:r>
-              <a:rPr lang="en-US" sz="1200" dirty="0">
+              <a:rPr lang="id-ID" sz="1000" kern="100" dirty="0">
                 <a:solidFill>
                   <a:schemeClr val="bg1"/>
                 </a:solidFill>
                 <a:effectLst/>
                 <a:latin typeface="Times New Roman" panose="02020603050405020304" pitchFamily="18" charset="0"/>
-                <a:ea typeface="Calibri" panose="020F0502020204030204" pitchFamily="34" charset="0"/>
-                <a:cs typeface="Times New Roman" panose="02020603050405020304" pitchFamily="18" charset="0"/>
+                <a:ea typeface="Times New Roman" panose="02020603050405020304" pitchFamily="18" charset="0"/>
               </a:rPr>
-              <a:t> Digital </a:t>
+              <a:t> </a:t>
             </a:r>
+          </a:p>
+          <a:p>
+            <a:pPr marL="0" marR="0" indent="0" algn="ctr">
+              <a:lnSpc>
+                <a:spcPct val="107000"/>
+              </a:lnSpc>
+              <a:spcAft>
+                <a:spcPts val="265"/>
+              </a:spcAft>
+              <a:buNone/>
+            </a:pPr>
             <a:r>
-              <a:rPr lang="en-US" sz="1200" dirty="0" err="1">
+              <a:rPr lang="id-ID" sz="1000" kern="100" dirty="0">
                 <a:solidFill>
                   <a:schemeClr val="bg1"/>
                 </a:solidFill>
                 <a:effectLst/>
                 <a:latin typeface="Times New Roman" panose="02020603050405020304" pitchFamily="18" charset="0"/>
-                <a:ea typeface="Calibri" panose="020F0502020204030204" pitchFamily="34" charset="0"/>
-                <a:cs typeface="Times New Roman" panose="02020603050405020304" pitchFamily="18" charset="0"/>
+                <a:ea typeface="Times New Roman" panose="02020603050405020304" pitchFamily="18" charset="0"/>
               </a:rPr>
-              <a:t>dalam</a:t>
+              <a:t>NUGRAHA, Rivaldi Kenny; PRAMUDWIATMOKO, Arif. Inovasi Digital dalam Pemesanan Makanan: Aplikasi Mobile Android untuk Pemesanan Ayam Geprek Secara Online. Edumatic: Jurnal Pendidikan Informatika, 2024, 8.2: 694-703. </a:t>
             </a:r>
+          </a:p>
+          <a:p>
+            <a:pPr marL="0" marR="0" indent="0" algn="ctr">
+              <a:lnSpc>
+                <a:spcPct val="107000"/>
+              </a:lnSpc>
+              <a:spcAft>
+                <a:spcPts val="265"/>
+              </a:spcAft>
+              <a:buNone/>
+            </a:pPr>
             <a:r>
-              <a:rPr lang="en-US" sz="1200" dirty="0">
+              <a:rPr lang="id-ID" sz="1000" kern="100" dirty="0">
                 <a:solidFill>
                   <a:schemeClr val="bg1"/>
                 </a:solidFill>
                 <a:effectLst/>
                 <a:latin typeface="Times New Roman" panose="02020603050405020304" pitchFamily="18" charset="0"/>
-                <a:ea typeface="Calibri" panose="020F0502020204030204" pitchFamily="34" charset="0"/>
-                <a:cs typeface="Times New Roman" panose="02020603050405020304" pitchFamily="18" charset="0"/>
+                <a:ea typeface="Times New Roman" panose="02020603050405020304" pitchFamily="18" charset="0"/>
               </a:rPr>
-              <a:t> </a:t>
+              <a:t> </a:t>
             </a:r>
+          </a:p>
+          <a:p>
+            <a:pPr marL="0" marR="0" indent="0" algn="ctr">
+              <a:lnSpc>
+                <a:spcPct val="107000"/>
+              </a:lnSpc>
+              <a:spcAft>
+                <a:spcPts val="265"/>
+              </a:spcAft>
+            </a:pPr>
             <a:r>
-              <a:rPr lang="en-US" sz="1200" dirty="0" err="1">
+              <a:rPr lang="id-ID" sz="1000" kern="100" dirty="0">
                 <a:solidFill>
                   <a:schemeClr val="bg1"/>
                 </a:solidFill>
                 <a:effectLst/>
                 <a:latin typeface="Times New Roman" panose="02020603050405020304" pitchFamily="18" charset="0"/>
-                <a:ea typeface="Calibri" panose="020F0502020204030204" pitchFamily="34" charset="0"/>
-                <a:cs typeface="Times New Roman" panose="02020603050405020304" pitchFamily="18" charset="0"/>
+                <a:ea typeface="Times New Roman" panose="02020603050405020304" pitchFamily="18" charset="0"/>
               </a:rPr>
-              <a:t>Pemesanan</a:t>
-            </a:r>
-            <a:r>
-              <a:rPr lang="en-US" sz="1200" dirty="0">
-                <a:solidFill>
-                  <a:schemeClr val="bg1"/>
-                </a:solidFill>
-                <a:latin typeface="Times New Roman" panose="02020603050405020304" pitchFamily="18" charset="0"/>
-                <a:ea typeface="Calibri" panose="020F0502020204030204" pitchFamily="34" charset="0"/>
-                <a:cs typeface="Times New Roman" panose="02020603050405020304" pitchFamily="18" charset="0"/>
-              </a:rPr>
-              <a:t> </a:t>
-            </a:r>
-            <a:r>
-              <a:rPr lang="en-US" sz="1200" dirty="0" err="1">
-                <a:solidFill>
-                  <a:schemeClr val="bg1"/>
-                </a:solidFill>
-                <a:effectLst/>
-                <a:latin typeface="Times New Roman" panose="02020603050405020304" pitchFamily="18" charset="0"/>
-                <a:ea typeface="Calibri" panose="020F0502020204030204" pitchFamily="34" charset="0"/>
-                <a:cs typeface="Times New Roman" panose="02020603050405020304" pitchFamily="18" charset="0"/>
-              </a:rPr>
-              <a:t>Makanan</a:t>
-            </a:r>
-            <a:r>
-              <a:rPr lang="en-US" sz="1200" dirty="0">
-                <a:solidFill>
-                  <a:schemeClr val="bg1"/>
-                </a:solidFill>
-                <a:effectLst/>
-                <a:latin typeface="Times New Roman" panose="02020603050405020304" pitchFamily="18" charset="0"/>
-                <a:ea typeface="Calibri" panose="020F0502020204030204" pitchFamily="34" charset="0"/>
-                <a:cs typeface="Times New Roman" panose="02020603050405020304" pitchFamily="18" charset="0"/>
-              </a:rPr>
-              <a:t>: </a:t>
-            </a:r>
-            <a:r>
-              <a:rPr lang="en-US" sz="1200" dirty="0" err="1">
-                <a:solidFill>
-                  <a:schemeClr val="bg1"/>
-                </a:solidFill>
-                <a:effectLst/>
-                <a:latin typeface="Times New Roman" panose="02020603050405020304" pitchFamily="18" charset="0"/>
-                <a:ea typeface="Calibri" panose="020F0502020204030204" pitchFamily="34" charset="0"/>
-                <a:cs typeface="Times New Roman" panose="02020603050405020304" pitchFamily="18" charset="0"/>
-              </a:rPr>
-              <a:t>Aplikasi</a:t>
-            </a:r>
-            <a:r>
-              <a:rPr lang="en-US" sz="1200" dirty="0">
-                <a:solidFill>
-                  <a:schemeClr val="bg1"/>
-                </a:solidFill>
-                <a:effectLst/>
-                <a:latin typeface="Times New Roman" panose="02020603050405020304" pitchFamily="18" charset="0"/>
-                <a:ea typeface="Calibri" panose="020F0502020204030204" pitchFamily="34" charset="0"/>
-                <a:cs typeface="Times New Roman" panose="02020603050405020304" pitchFamily="18" charset="0"/>
-              </a:rPr>
-              <a:t> Mobile Android </a:t>
-            </a:r>
-            <a:r>
-              <a:rPr lang="en-US" sz="1200" dirty="0" err="1">
-                <a:solidFill>
-                  <a:schemeClr val="bg1"/>
-                </a:solidFill>
-                <a:effectLst/>
-                <a:latin typeface="Times New Roman" panose="02020603050405020304" pitchFamily="18" charset="0"/>
-                <a:ea typeface="Calibri" panose="020F0502020204030204" pitchFamily="34" charset="0"/>
-                <a:cs typeface="Times New Roman" panose="02020603050405020304" pitchFamily="18" charset="0"/>
-              </a:rPr>
-              <a:t>untuk</a:t>
-            </a:r>
-            <a:r>
-              <a:rPr lang="en-US" sz="1200" dirty="0">
-                <a:solidFill>
-                  <a:schemeClr val="bg1"/>
-                </a:solidFill>
-                <a:effectLst/>
-                <a:latin typeface="Times New Roman" panose="02020603050405020304" pitchFamily="18" charset="0"/>
-                <a:ea typeface="Calibri" panose="020F0502020204030204" pitchFamily="34" charset="0"/>
-                <a:cs typeface="Times New Roman" panose="02020603050405020304" pitchFamily="18" charset="0"/>
-              </a:rPr>
-              <a:t> </a:t>
-            </a:r>
-            <a:r>
-              <a:rPr lang="en-US" sz="1200" dirty="0" err="1">
-                <a:solidFill>
-                  <a:schemeClr val="bg1"/>
-                </a:solidFill>
-                <a:effectLst/>
-                <a:latin typeface="Times New Roman" panose="02020603050405020304" pitchFamily="18" charset="0"/>
-                <a:ea typeface="Calibri" panose="020F0502020204030204" pitchFamily="34" charset="0"/>
-                <a:cs typeface="Times New Roman" panose="02020603050405020304" pitchFamily="18" charset="0"/>
-              </a:rPr>
-              <a:t>Pemesanan</a:t>
-            </a:r>
-            <a:r>
-              <a:rPr lang="en-US" sz="1200" dirty="0">
-                <a:solidFill>
-                  <a:schemeClr val="bg1"/>
-                </a:solidFill>
-                <a:effectLst/>
-                <a:latin typeface="Times New Roman" panose="02020603050405020304" pitchFamily="18" charset="0"/>
-                <a:ea typeface="Calibri" panose="020F0502020204030204" pitchFamily="34" charset="0"/>
-                <a:cs typeface="Times New Roman" panose="02020603050405020304" pitchFamily="18" charset="0"/>
-              </a:rPr>
-              <a:t> Ayam </a:t>
-            </a:r>
-            <a:r>
-              <a:rPr lang="en-US" sz="1200" dirty="0" err="1">
-                <a:solidFill>
-                  <a:schemeClr val="bg1"/>
-                </a:solidFill>
-                <a:effectLst/>
-                <a:latin typeface="Times New Roman" panose="02020603050405020304" pitchFamily="18" charset="0"/>
-                <a:ea typeface="Calibri" panose="020F0502020204030204" pitchFamily="34" charset="0"/>
-                <a:cs typeface="Times New Roman" panose="02020603050405020304" pitchFamily="18" charset="0"/>
-              </a:rPr>
-              <a:t>Geprek</a:t>
-            </a:r>
-            <a:r>
-              <a:rPr lang="en-US" sz="1200" dirty="0">
-                <a:solidFill>
-                  <a:schemeClr val="bg1"/>
-                </a:solidFill>
-                <a:effectLst/>
-                <a:latin typeface="Times New Roman" panose="02020603050405020304" pitchFamily="18" charset="0"/>
-                <a:ea typeface="Calibri" panose="020F0502020204030204" pitchFamily="34" charset="0"/>
-                <a:cs typeface="Times New Roman" panose="02020603050405020304" pitchFamily="18" charset="0"/>
-              </a:rPr>
-              <a:t> </a:t>
-            </a:r>
-            <a:r>
-              <a:rPr lang="en-US" sz="1200" dirty="0" err="1">
-                <a:solidFill>
-                  <a:schemeClr val="bg1"/>
-                </a:solidFill>
-                <a:effectLst/>
-                <a:latin typeface="Times New Roman" panose="02020603050405020304" pitchFamily="18" charset="0"/>
-                <a:ea typeface="Calibri" panose="020F0502020204030204" pitchFamily="34" charset="0"/>
-                <a:cs typeface="Times New Roman" panose="02020603050405020304" pitchFamily="18" charset="0"/>
-              </a:rPr>
-              <a:t>Secara</a:t>
-            </a:r>
-            <a:r>
-              <a:rPr lang="en-US" sz="1200" dirty="0">
-                <a:solidFill>
-                  <a:schemeClr val="bg1"/>
-                </a:solidFill>
-                <a:effectLst/>
-                <a:latin typeface="Times New Roman" panose="02020603050405020304" pitchFamily="18" charset="0"/>
-                <a:ea typeface="Calibri" panose="020F0502020204030204" pitchFamily="34" charset="0"/>
-                <a:cs typeface="Times New Roman" panose="02020603050405020304" pitchFamily="18" charset="0"/>
-              </a:rPr>
-              <a:t> Online. </a:t>
-            </a:r>
-            <a:r>
-              <a:rPr lang="en-US" sz="1200" i="1" dirty="0" err="1">
-                <a:solidFill>
-                  <a:schemeClr val="bg1"/>
-                </a:solidFill>
-                <a:effectLst/>
-                <a:latin typeface="Times New Roman" panose="02020603050405020304" pitchFamily="18" charset="0"/>
-                <a:ea typeface="Calibri" panose="020F0502020204030204" pitchFamily="34" charset="0"/>
-                <a:cs typeface="Times New Roman" panose="02020603050405020304" pitchFamily="18" charset="0"/>
-              </a:rPr>
-              <a:t>Edumatic</a:t>
-            </a:r>
-            <a:r>
-              <a:rPr lang="en-US" sz="1200" i="1" dirty="0">
-                <a:solidFill>
-                  <a:schemeClr val="bg1"/>
-                </a:solidFill>
-                <a:effectLst/>
-                <a:latin typeface="Times New Roman" panose="02020603050405020304" pitchFamily="18" charset="0"/>
-                <a:ea typeface="Calibri" panose="020F0502020204030204" pitchFamily="34" charset="0"/>
-                <a:cs typeface="Times New Roman" panose="02020603050405020304" pitchFamily="18" charset="0"/>
-              </a:rPr>
-              <a:t>: </a:t>
-            </a:r>
-            <a:r>
-              <a:rPr lang="en-US" sz="1200" i="1" dirty="0" err="1">
-                <a:solidFill>
-                  <a:schemeClr val="bg1"/>
-                </a:solidFill>
-                <a:effectLst/>
-                <a:latin typeface="Times New Roman" panose="02020603050405020304" pitchFamily="18" charset="0"/>
-                <a:ea typeface="Calibri" panose="020F0502020204030204" pitchFamily="34" charset="0"/>
-                <a:cs typeface="Times New Roman" panose="02020603050405020304" pitchFamily="18" charset="0"/>
-              </a:rPr>
-              <a:t>Jurnal</a:t>
-            </a:r>
-            <a:r>
-              <a:rPr lang="en-US" sz="1200" i="1" dirty="0">
-                <a:solidFill>
-                  <a:schemeClr val="bg1"/>
-                </a:solidFill>
-                <a:effectLst/>
-                <a:latin typeface="Times New Roman" panose="02020603050405020304" pitchFamily="18" charset="0"/>
-                <a:ea typeface="Calibri" panose="020F0502020204030204" pitchFamily="34" charset="0"/>
-                <a:cs typeface="Times New Roman" panose="02020603050405020304" pitchFamily="18" charset="0"/>
-              </a:rPr>
-              <a:t> Pendidikan </a:t>
-            </a:r>
-            <a:r>
-              <a:rPr lang="en-US" sz="1200" i="1" dirty="0" err="1">
-                <a:solidFill>
-                  <a:schemeClr val="bg1"/>
-                </a:solidFill>
-                <a:effectLst/>
-                <a:latin typeface="Times New Roman" panose="02020603050405020304" pitchFamily="18" charset="0"/>
-                <a:ea typeface="Calibri" panose="020F0502020204030204" pitchFamily="34" charset="0"/>
-                <a:cs typeface="Times New Roman" panose="02020603050405020304" pitchFamily="18" charset="0"/>
-              </a:rPr>
-              <a:t>Informatika</a:t>
-            </a:r>
-            <a:r>
-              <a:rPr lang="en-US" sz="1200" dirty="0">
-                <a:solidFill>
-                  <a:schemeClr val="bg1"/>
-                </a:solidFill>
-                <a:effectLst/>
-                <a:latin typeface="Times New Roman" panose="02020603050405020304" pitchFamily="18" charset="0"/>
-                <a:ea typeface="Calibri" panose="020F0502020204030204" pitchFamily="34" charset="0"/>
-                <a:cs typeface="Times New Roman" panose="02020603050405020304" pitchFamily="18" charset="0"/>
-              </a:rPr>
-              <a:t>, 2024, 8.2: 694-703.</a:t>
+              <a:t>Sagaf, Adilla Faradila A., and Ichsan Ibrahim. "Development of a Mobile Web-Based Food and Beverage Ordering Application in aYouth Cafe With QR Code Technology." INOVTEK Polbeng-Seri Informatika 10.1 (2025): 262-271. </a:t>
             </a:r>
           </a:p>
           <a:p>
@@ -9759,660 +9264,7 @@
                 <a:spcPts val="1000"/>
               </a:spcAft>
             </a:pPr>
-            <a:r>
-              <a:rPr lang="en-US" sz="1200" dirty="0">
-                <a:solidFill>
-                  <a:schemeClr val="bg1"/>
-                </a:solidFill>
-                <a:effectLst/>
-                <a:latin typeface="Times New Roman" panose="02020603050405020304" pitchFamily="18" charset="0"/>
-                <a:ea typeface="Calibri" panose="020F0502020204030204" pitchFamily="34" charset="0"/>
-                <a:cs typeface="Times New Roman" panose="02020603050405020304" pitchFamily="18" charset="0"/>
-              </a:rPr>
-              <a:t>      </a:t>
-            </a:r>
-            <a:r>
-              <a:rPr lang="en-US" sz="1200" dirty="0" err="1">
-                <a:solidFill>
-                  <a:schemeClr val="bg1"/>
-                </a:solidFill>
-                <a:effectLst/>
-                <a:latin typeface="Times New Roman" panose="02020603050405020304" pitchFamily="18" charset="0"/>
-                <a:ea typeface="Calibri" panose="020F0502020204030204" pitchFamily="34" charset="0"/>
-                <a:cs typeface="Times New Roman" panose="02020603050405020304" pitchFamily="18" charset="0"/>
-              </a:rPr>
-              <a:t>Fajri</a:t>
-            </a:r>
-            <a:r>
-              <a:rPr lang="en-US" sz="1200" dirty="0">
-                <a:solidFill>
-                  <a:schemeClr val="bg1"/>
-                </a:solidFill>
-                <a:effectLst/>
-                <a:latin typeface="Times New Roman" panose="02020603050405020304" pitchFamily="18" charset="0"/>
-                <a:ea typeface="Calibri" panose="020F0502020204030204" pitchFamily="34" charset="0"/>
-                <a:cs typeface="Times New Roman" panose="02020603050405020304" pitchFamily="18" charset="0"/>
-              </a:rPr>
-              <a:t>, I. S. A. (2024). </a:t>
-            </a:r>
-            <a:r>
-              <a:rPr lang="en-US" sz="1200" i="1" dirty="0">
-                <a:solidFill>
-                  <a:schemeClr val="bg1"/>
-                </a:solidFill>
-                <a:effectLst/>
-                <a:latin typeface="Times New Roman" panose="02020603050405020304" pitchFamily="18" charset="0"/>
-                <a:ea typeface="Calibri" panose="020F0502020204030204" pitchFamily="34" charset="0"/>
-                <a:cs typeface="Times New Roman" panose="02020603050405020304" pitchFamily="18" charset="0"/>
-              </a:rPr>
-              <a:t>WARUNG KOPI CERDAS BERBASIS WEBSITE MANGGUNAKAN METODE RAPID APPLICATION DEVELOPMENT</a:t>
-            </a:r>
-            <a:r>
-              <a:rPr lang="en-US" sz="1200" dirty="0">
-                <a:solidFill>
-                  <a:schemeClr val="bg1"/>
-                </a:solidFill>
-                <a:effectLst/>
-                <a:latin typeface="Times New Roman" panose="02020603050405020304" pitchFamily="18" charset="0"/>
-                <a:ea typeface="Calibri" panose="020F0502020204030204" pitchFamily="34" charset="0"/>
-                <a:cs typeface="Times New Roman" panose="02020603050405020304" pitchFamily="18" charset="0"/>
-              </a:rPr>
-              <a:t> (Doctoral dissertation, UNIVERSITAS NASIONAL).</a:t>
-            </a:r>
-          </a:p>
-          <a:p>
-            <a:pPr algn="just">
-              <a:lnSpc>
-                <a:spcPct val="150000"/>
-              </a:lnSpc>
-              <a:spcAft>
-                <a:spcPts val="1000"/>
-              </a:spcAft>
-            </a:pPr>
-            <a:r>
-              <a:rPr lang="en-US" sz="1200" dirty="0">
-                <a:solidFill>
-                  <a:schemeClr val="bg1"/>
-                </a:solidFill>
-                <a:effectLst/>
-                <a:latin typeface="Times New Roman" panose="02020603050405020304" pitchFamily="18" charset="0"/>
-                <a:ea typeface="Calibri" panose="020F0502020204030204" pitchFamily="34" charset="0"/>
-                <a:cs typeface="Times New Roman" panose="02020603050405020304" pitchFamily="18" charset="0"/>
-              </a:rPr>
-              <a:t>      </a:t>
-            </a:r>
-            <a:r>
-              <a:rPr lang="en-US" sz="1200" dirty="0" err="1">
-                <a:solidFill>
-                  <a:schemeClr val="bg1"/>
-                </a:solidFill>
-                <a:effectLst/>
-                <a:latin typeface="Times New Roman" panose="02020603050405020304" pitchFamily="18" charset="0"/>
-                <a:ea typeface="Calibri" panose="020F0502020204030204" pitchFamily="34" charset="0"/>
-                <a:cs typeface="Times New Roman" panose="02020603050405020304" pitchFamily="18" charset="0"/>
-              </a:rPr>
-              <a:t>Sagaf</a:t>
-            </a:r>
-            <a:r>
-              <a:rPr lang="en-US" sz="1200" dirty="0">
-                <a:solidFill>
-                  <a:schemeClr val="bg1"/>
-                </a:solidFill>
-                <a:effectLst/>
-                <a:latin typeface="Times New Roman" panose="02020603050405020304" pitchFamily="18" charset="0"/>
-                <a:ea typeface="Calibri" panose="020F0502020204030204" pitchFamily="34" charset="0"/>
-                <a:cs typeface="Times New Roman" panose="02020603050405020304" pitchFamily="18" charset="0"/>
-              </a:rPr>
-              <a:t>, </a:t>
-            </a:r>
-            <a:r>
-              <a:rPr lang="en-US" sz="1200" dirty="0" err="1">
-                <a:solidFill>
-                  <a:schemeClr val="bg1"/>
-                </a:solidFill>
-                <a:effectLst/>
-                <a:latin typeface="Times New Roman" panose="02020603050405020304" pitchFamily="18" charset="0"/>
-                <a:ea typeface="Calibri" panose="020F0502020204030204" pitchFamily="34" charset="0"/>
-                <a:cs typeface="Times New Roman" panose="02020603050405020304" pitchFamily="18" charset="0"/>
-              </a:rPr>
-              <a:t>Adilla</a:t>
-            </a:r>
-            <a:r>
-              <a:rPr lang="en-US" sz="1200" dirty="0">
-                <a:solidFill>
-                  <a:schemeClr val="bg1"/>
-                </a:solidFill>
-                <a:effectLst/>
-                <a:latin typeface="Times New Roman" panose="02020603050405020304" pitchFamily="18" charset="0"/>
-                <a:ea typeface="Calibri" panose="020F0502020204030204" pitchFamily="34" charset="0"/>
-                <a:cs typeface="Times New Roman" panose="02020603050405020304" pitchFamily="18" charset="0"/>
-              </a:rPr>
-              <a:t> </a:t>
-            </a:r>
-            <a:r>
-              <a:rPr lang="en-US" sz="1200" dirty="0" err="1">
-                <a:solidFill>
-                  <a:schemeClr val="bg1"/>
-                </a:solidFill>
-                <a:effectLst/>
-                <a:latin typeface="Times New Roman" panose="02020603050405020304" pitchFamily="18" charset="0"/>
-                <a:ea typeface="Calibri" panose="020F0502020204030204" pitchFamily="34" charset="0"/>
-                <a:cs typeface="Times New Roman" panose="02020603050405020304" pitchFamily="18" charset="0"/>
-              </a:rPr>
-              <a:t>Faradila</a:t>
-            </a:r>
-            <a:r>
-              <a:rPr lang="en-US" sz="1200" dirty="0">
-                <a:solidFill>
-                  <a:schemeClr val="bg1"/>
-                </a:solidFill>
-                <a:effectLst/>
-                <a:latin typeface="Times New Roman" panose="02020603050405020304" pitchFamily="18" charset="0"/>
-                <a:ea typeface="Calibri" panose="020F0502020204030204" pitchFamily="34" charset="0"/>
-                <a:cs typeface="Times New Roman" panose="02020603050405020304" pitchFamily="18" charset="0"/>
-              </a:rPr>
-              <a:t> A., and </a:t>
-            </a:r>
-            <a:r>
-              <a:rPr lang="en-US" sz="1200" dirty="0" err="1">
-                <a:solidFill>
-                  <a:schemeClr val="bg1"/>
-                </a:solidFill>
-                <a:effectLst/>
-                <a:latin typeface="Times New Roman" panose="02020603050405020304" pitchFamily="18" charset="0"/>
-                <a:ea typeface="Calibri" panose="020F0502020204030204" pitchFamily="34" charset="0"/>
-                <a:cs typeface="Times New Roman" panose="02020603050405020304" pitchFamily="18" charset="0"/>
-              </a:rPr>
-              <a:t>Ichsan</a:t>
-            </a:r>
-            <a:r>
-              <a:rPr lang="en-US" sz="1200" dirty="0">
-                <a:solidFill>
-                  <a:schemeClr val="bg1"/>
-                </a:solidFill>
-                <a:effectLst/>
-                <a:latin typeface="Times New Roman" panose="02020603050405020304" pitchFamily="18" charset="0"/>
-                <a:ea typeface="Calibri" panose="020F0502020204030204" pitchFamily="34" charset="0"/>
-                <a:cs typeface="Times New Roman" panose="02020603050405020304" pitchFamily="18" charset="0"/>
-              </a:rPr>
-              <a:t> Ibrahim. "Development of a Mobile Web-Based Food and Beverage Ordering Application in </a:t>
-            </a:r>
-            <a:r>
-              <a:rPr lang="en-US" sz="1200" dirty="0" err="1">
-                <a:solidFill>
-                  <a:schemeClr val="bg1"/>
-                </a:solidFill>
-                <a:effectLst/>
-                <a:latin typeface="Times New Roman" panose="02020603050405020304" pitchFamily="18" charset="0"/>
-                <a:ea typeface="Calibri" panose="020F0502020204030204" pitchFamily="34" charset="0"/>
-                <a:cs typeface="Times New Roman" panose="02020603050405020304" pitchFamily="18" charset="0"/>
-              </a:rPr>
-              <a:t>aYouth</a:t>
-            </a:r>
-            <a:r>
-              <a:rPr lang="en-US" sz="1200" dirty="0">
-                <a:solidFill>
-                  <a:schemeClr val="bg1"/>
-                </a:solidFill>
-                <a:effectLst/>
-                <a:latin typeface="Times New Roman" panose="02020603050405020304" pitchFamily="18" charset="0"/>
-                <a:ea typeface="Calibri" panose="020F0502020204030204" pitchFamily="34" charset="0"/>
-                <a:cs typeface="Times New Roman" panose="02020603050405020304" pitchFamily="18" charset="0"/>
-              </a:rPr>
-              <a:t> Cafe With QR Code Technology." </a:t>
-            </a:r>
-            <a:r>
-              <a:rPr lang="en-US" sz="1200" i="1" dirty="0">
-                <a:solidFill>
-                  <a:schemeClr val="bg1"/>
-                </a:solidFill>
-                <a:effectLst/>
-                <a:latin typeface="Times New Roman" panose="02020603050405020304" pitchFamily="18" charset="0"/>
-                <a:ea typeface="Calibri" panose="020F0502020204030204" pitchFamily="34" charset="0"/>
-                <a:cs typeface="Times New Roman" panose="02020603050405020304" pitchFamily="18" charset="0"/>
-              </a:rPr>
-              <a:t>INOVTEK </a:t>
-            </a:r>
-            <a:r>
-              <a:rPr lang="en-US" sz="1200" i="1" dirty="0" err="1">
-                <a:solidFill>
-                  <a:schemeClr val="bg1"/>
-                </a:solidFill>
-                <a:effectLst/>
-                <a:latin typeface="Times New Roman" panose="02020603050405020304" pitchFamily="18" charset="0"/>
-                <a:ea typeface="Calibri" panose="020F0502020204030204" pitchFamily="34" charset="0"/>
-                <a:cs typeface="Times New Roman" panose="02020603050405020304" pitchFamily="18" charset="0"/>
-              </a:rPr>
-              <a:t>Polbeng</a:t>
-            </a:r>
-            <a:r>
-              <a:rPr lang="en-US" sz="1200" i="1" dirty="0">
-                <a:solidFill>
-                  <a:schemeClr val="bg1"/>
-                </a:solidFill>
-                <a:effectLst/>
-                <a:latin typeface="Times New Roman" panose="02020603050405020304" pitchFamily="18" charset="0"/>
-                <a:ea typeface="Calibri" panose="020F0502020204030204" pitchFamily="34" charset="0"/>
-                <a:cs typeface="Times New Roman" panose="02020603050405020304" pitchFamily="18" charset="0"/>
-              </a:rPr>
-              <a:t>-Seri </a:t>
-            </a:r>
-            <a:r>
-              <a:rPr lang="en-US" sz="1200" i="1" dirty="0" err="1">
-                <a:solidFill>
-                  <a:schemeClr val="bg1"/>
-                </a:solidFill>
-                <a:effectLst/>
-                <a:latin typeface="Times New Roman" panose="02020603050405020304" pitchFamily="18" charset="0"/>
-                <a:ea typeface="Calibri" panose="020F0502020204030204" pitchFamily="34" charset="0"/>
-                <a:cs typeface="Times New Roman" panose="02020603050405020304" pitchFamily="18" charset="0"/>
-              </a:rPr>
-              <a:t>Informatika</a:t>
-            </a:r>
-            <a:r>
-              <a:rPr lang="en-US" sz="1200" dirty="0">
-                <a:solidFill>
-                  <a:schemeClr val="bg1"/>
-                </a:solidFill>
-                <a:effectLst/>
-                <a:latin typeface="Times New Roman" panose="02020603050405020304" pitchFamily="18" charset="0"/>
-                <a:ea typeface="Calibri" panose="020F0502020204030204" pitchFamily="34" charset="0"/>
-                <a:cs typeface="Times New Roman" panose="02020603050405020304" pitchFamily="18" charset="0"/>
-              </a:rPr>
-              <a:t> 10.1 (2025): 262-271.</a:t>
-            </a:r>
-          </a:p>
-          <a:p>
-            <a:pPr algn="just">
-              <a:lnSpc>
-                <a:spcPct val="150000"/>
-              </a:lnSpc>
-              <a:spcAft>
-                <a:spcPts val="1000"/>
-              </a:spcAft>
-            </a:pPr>
-            <a:r>
-              <a:rPr lang="en-US" sz="1200" dirty="0">
-                <a:solidFill>
-                  <a:schemeClr val="bg1"/>
-                </a:solidFill>
-                <a:latin typeface="Times New Roman" panose="02020603050405020304" pitchFamily="18" charset="0"/>
-                <a:ea typeface="Calibri" panose="020F0502020204030204" pitchFamily="34" charset="0"/>
-                <a:cs typeface="Times New Roman" panose="02020603050405020304" pitchFamily="18" charset="0"/>
-              </a:rPr>
-              <a:t>      </a:t>
-            </a:r>
-            <a:r>
-              <a:rPr lang="en-US" sz="1200" dirty="0">
-                <a:solidFill>
-                  <a:schemeClr val="bg1"/>
-                </a:solidFill>
-                <a:effectLst/>
-                <a:latin typeface="Times New Roman" panose="02020603050405020304" pitchFamily="18" charset="0"/>
-                <a:ea typeface="Calibri" panose="020F0502020204030204" pitchFamily="34" charset="0"/>
-                <a:cs typeface="Times New Roman" panose="02020603050405020304" pitchFamily="18" charset="0"/>
-              </a:rPr>
-              <a:t>AINAH, Saripah, et al. </a:t>
-            </a:r>
-            <a:r>
-              <a:rPr lang="en-US" sz="1200" dirty="0" err="1">
-                <a:solidFill>
-                  <a:schemeClr val="bg1"/>
-                </a:solidFill>
-                <a:effectLst/>
-                <a:latin typeface="Times New Roman" panose="02020603050405020304" pitchFamily="18" charset="0"/>
-                <a:ea typeface="Calibri" panose="020F0502020204030204" pitchFamily="34" charset="0"/>
-                <a:cs typeface="Times New Roman" panose="02020603050405020304" pitchFamily="18" charset="0"/>
-              </a:rPr>
-              <a:t>Implementasi</a:t>
-            </a:r>
-            <a:r>
-              <a:rPr lang="en-US" sz="1200" dirty="0">
-                <a:solidFill>
-                  <a:schemeClr val="bg1"/>
-                </a:solidFill>
-                <a:effectLst/>
-                <a:latin typeface="Times New Roman" panose="02020603050405020304" pitchFamily="18" charset="0"/>
-                <a:ea typeface="Calibri" panose="020F0502020204030204" pitchFamily="34" charset="0"/>
-                <a:cs typeface="Times New Roman" panose="02020603050405020304" pitchFamily="18" charset="0"/>
-              </a:rPr>
-              <a:t> Framework Flutter </a:t>
-            </a:r>
-            <a:r>
-              <a:rPr lang="en-US" sz="1200" dirty="0" err="1">
-                <a:solidFill>
-                  <a:schemeClr val="bg1"/>
-                </a:solidFill>
-                <a:effectLst/>
-                <a:latin typeface="Times New Roman" panose="02020603050405020304" pitchFamily="18" charset="0"/>
-                <a:ea typeface="Calibri" panose="020F0502020204030204" pitchFamily="34" charset="0"/>
-                <a:cs typeface="Times New Roman" panose="02020603050405020304" pitchFamily="18" charset="0"/>
-              </a:rPr>
-              <a:t>Untuk</a:t>
-            </a:r>
-            <a:r>
-              <a:rPr lang="en-US" sz="1200" dirty="0">
-                <a:solidFill>
-                  <a:schemeClr val="bg1"/>
-                </a:solidFill>
-                <a:effectLst/>
-                <a:latin typeface="Times New Roman" panose="02020603050405020304" pitchFamily="18" charset="0"/>
-                <a:ea typeface="Calibri" panose="020F0502020204030204" pitchFamily="34" charset="0"/>
-                <a:cs typeface="Times New Roman" panose="02020603050405020304" pitchFamily="18" charset="0"/>
-              </a:rPr>
-              <a:t> </a:t>
-            </a:r>
-            <a:r>
-              <a:rPr lang="en-US" sz="1200" dirty="0" err="1">
-                <a:solidFill>
-                  <a:schemeClr val="bg1"/>
-                </a:solidFill>
-                <a:effectLst/>
-                <a:latin typeface="Times New Roman" panose="02020603050405020304" pitchFamily="18" charset="0"/>
-                <a:ea typeface="Calibri" panose="020F0502020204030204" pitchFamily="34" charset="0"/>
-                <a:cs typeface="Times New Roman" panose="02020603050405020304" pitchFamily="18" charset="0"/>
-              </a:rPr>
-              <a:t>Pengembangan</a:t>
-            </a:r>
-            <a:r>
-              <a:rPr lang="en-US" sz="1200" dirty="0">
-                <a:solidFill>
-                  <a:schemeClr val="bg1"/>
-                </a:solidFill>
-                <a:effectLst/>
-                <a:latin typeface="Times New Roman" panose="02020603050405020304" pitchFamily="18" charset="0"/>
-                <a:ea typeface="Calibri" panose="020F0502020204030204" pitchFamily="34" charset="0"/>
-                <a:cs typeface="Times New Roman" panose="02020603050405020304" pitchFamily="18" charset="0"/>
-              </a:rPr>
-              <a:t> </a:t>
-            </a:r>
-            <a:r>
-              <a:rPr lang="en-US" sz="1200" dirty="0" err="1">
-                <a:solidFill>
-                  <a:schemeClr val="bg1"/>
-                </a:solidFill>
-                <a:effectLst/>
-                <a:latin typeface="Times New Roman" panose="02020603050405020304" pitchFamily="18" charset="0"/>
-                <a:ea typeface="Calibri" panose="020F0502020204030204" pitchFamily="34" charset="0"/>
-                <a:cs typeface="Times New Roman" panose="02020603050405020304" pitchFamily="18" charset="0"/>
-              </a:rPr>
-              <a:t>Aplikasi</a:t>
-            </a:r>
-            <a:r>
-              <a:rPr lang="en-US" sz="1200" dirty="0">
-                <a:solidFill>
-                  <a:schemeClr val="bg1"/>
-                </a:solidFill>
-                <a:effectLst/>
-                <a:latin typeface="Times New Roman" panose="02020603050405020304" pitchFamily="18" charset="0"/>
-                <a:ea typeface="Calibri" panose="020F0502020204030204" pitchFamily="34" charset="0"/>
-                <a:cs typeface="Times New Roman" panose="02020603050405020304" pitchFamily="18" charset="0"/>
-              </a:rPr>
-              <a:t> </a:t>
-            </a:r>
-            <a:r>
-              <a:rPr lang="en-US" sz="1200" dirty="0" err="1">
-                <a:solidFill>
-                  <a:schemeClr val="bg1"/>
-                </a:solidFill>
-                <a:effectLst/>
-                <a:latin typeface="Times New Roman" panose="02020603050405020304" pitchFamily="18" charset="0"/>
-                <a:ea typeface="Calibri" panose="020F0502020204030204" pitchFamily="34" charset="0"/>
-                <a:cs typeface="Times New Roman" panose="02020603050405020304" pitchFamily="18" charset="0"/>
-              </a:rPr>
-              <a:t>Restoran</a:t>
-            </a:r>
-            <a:r>
-              <a:rPr lang="en-US" sz="1200" dirty="0">
-                <a:solidFill>
-                  <a:schemeClr val="bg1"/>
-                </a:solidFill>
-                <a:effectLst/>
-                <a:latin typeface="Times New Roman" panose="02020603050405020304" pitchFamily="18" charset="0"/>
-                <a:ea typeface="Calibri" panose="020F0502020204030204" pitchFamily="34" charset="0"/>
-                <a:cs typeface="Times New Roman" panose="02020603050405020304" pitchFamily="18" charset="0"/>
-              </a:rPr>
-              <a:t> </a:t>
-            </a:r>
-            <a:r>
-              <a:rPr lang="en-US" sz="1200" dirty="0" err="1">
-                <a:solidFill>
-                  <a:schemeClr val="bg1"/>
-                </a:solidFill>
-                <a:effectLst/>
-                <a:latin typeface="Times New Roman" panose="02020603050405020304" pitchFamily="18" charset="0"/>
-                <a:ea typeface="Calibri" panose="020F0502020204030204" pitchFamily="34" charset="0"/>
-                <a:cs typeface="Times New Roman" panose="02020603050405020304" pitchFamily="18" charset="0"/>
-              </a:rPr>
-              <a:t>Dengan</a:t>
-            </a:r>
-            <a:r>
-              <a:rPr lang="en-US" sz="1200" dirty="0">
-                <a:solidFill>
-                  <a:schemeClr val="bg1"/>
-                </a:solidFill>
-                <a:effectLst/>
-                <a:latin typeface="Times New Roman" panose="02020603050405020304" pitchFamily="18" charset="0"/>
-                <a:ea typeface="Calibri" panose="020F0502020204030204" pitchFamily="34" charset="0"/>
-                <a:cs typeface="Times New Roman" panose="02020603050405020304" pitchFamily="18" charset="0"/>
-              </a:rPr>
-              <a:t> </a:t>
-            </a:r>
-            <a:r>
-              <a:rPr lang="en-US" sz="1200" dirty="0" err="1">
-                <a:solidFill>
-                  <a:schemeClr val="bg1"/>
-                </a:solidFill>
-                <a:effectLst/>
-                <a:latin typeface="Times New Roman" panose="02020603050405020304" pitchFamily="18" charset="0"/>
-                <a:ea typeface="Calibri" panose="020F0502020204030204" pitchFamily="34" charset="0"/>
-                <a:cs typeface="Times New Roman" panose="02020603050405020304" pitchFamily="18" charset="0"/>
-              </a:rPr>
-              <a:t>Penerapan</a:t>
-            </a:r>
-            <a:r>
-              <a:rPr lang="en-US" sz="1200" dirty="0">
-                <a:solidFill>
-                  <a:schemeClr val="bg1"/>
-                </a:solidFill>
-                <a:effectLst/>
-                <a:latin typeface="Times New Roman" panose="02020603050405020304" pitchFamily="18" charset="0"/>
-                <a:ea typeface="Calibri" panose="020F0502020204030204" pitchFamily="34" charset="0"/>
-                <a:cs typeface="Times New Roman" panose="02020603050405020304" pitchFamily="18" charset="0"/>
-              </a:rPr>
-              <a:t> Api </a:t>
-            </a:r>
-            <a:r>
-              <a:rPr lang="en-US" sz="1200" dirty="0" err="1">
-                <a:solidFill>
-                  <a:schemeClr val="bg1"/>
-                </a:solidFill>
-                <a:effectLst/>
-                <a:latin typeface="Times New Roman" panose="02020603050405020304" pitchFamily="18" charset="0"/>
-                <a:ea typeface="Calibri" panose="020F0502020204030204" pitchFamily="34" charset="0"/>
-                <a:cs typeface="Times New Roman" panose="02020603050405020304" pitchFamily="18" charset="0"/>
-              </a:rPr>
-              <a:t>Chatgpt</a:t>
-            </a:r>
-            <a:r>
-              <a:rPr lang="en-US" sz="1200" dirty="0">
-                <a:solidFill>
-                  <a:schemeClr val="bg1"/>
-                </a:solidFill>
-                <a:effectLst/>
-                <a:latin typeface="Times New Roman" panose="02020603050405020304" pitchFamily="18" charset="0"/>
-                <a:ea typeface="Calibri" panose="020F0502020204030204" pitchFamily="34" charset="0"/>
-                <a:cs typeface="Times New Roman" panose="02020603050405020304" pitchFamily="18" charset="0"/>
-              </a:rPr>
-              <a:t>. </a:t>
-            </a:r>
-            <a:r>
-              <a:rPr lang="en-US" sz="1200" i="1" dirty="0">
-                <a:solidFill>
-                  <a:schemeClr val="bg1"/>
-                </a:solidFill>
-                <a:effectLst/>
-                <a:latin typeface="Times New Roman" panose="02020603050405020304" pitchFamily="18" charset="0"/>
-                <a:ea typeface="Calibri" panose="020F0502020204030204" pitchFamily="34" charset="0"/>
-                <a:cs typeface="Times New Roman" panose="02020603050405020304" pitchFamily="18" charset="0"/>
-              </a:rPr>
-              <a:t>JATI (</a:t>
-            </a:r>
-            <a:r>
-              <a:rPr lang="en-US" sz="1200" i="1" dirty="0" err="1">
-                <a:solidFill>
-                  <a:schemeClr val="bg1"/>
-                </a:solidFill>
-                <a:effectLst/>
-                <a:latin typeface="Times New Roman" panose="02020603050405020304" pitchFamily="18" charset="0"/>
-                <a:ea typeface="Calibri" panose="020F0502020204030204" pitchFamily="34" charset="0"/>
-                <a:cs typeface="Times New Roman" panose="02020603050405020304" pitchFamily="18" charset="0"/>
-              </a:rPr>
-              <a:t>Jurnal</a:t>
-            </a:r>
-            <a:r>
-              <a:rPr lang="en-US" sz="1200" i="1" dirty="0">
-                <a:solidFill>
-                  <a:schemeClr val="bg1"/>
-                </a:solidFill>
-                <a:effectLst/>
-                <a:latin typeface="Times New Roman" panose="02020603050405020304" pitchFamily="18" charset="0"/>
-                <a:ea typeface="Calibri" panose="020F0502020204030204" pitchFamily="34" charset="0"/>
-                <a:cs typeface="Times New Roman" panose="02020603050405020304" pitchFamily="18" charset="0"/>
-              </a:rPr>
-              <a:t> </a:t>
-            </a:r>
-            <a:r>
-              <a:rPr lang="en-US" sz="1200" i="1" dirty="0" err="1">
-                <a:solidFill>
-                  <a:schemeClr val="bg1"/>
-                </a:solidFill>
-                <a:effectLst/>
-                <a:latin typeface="Times New Roman" panose="02020603050405020304" pitchFamily="18" charset="0"/>
-                <a:ea typeface="Calibri" panose="020F0502020204030204" pitchFamily="34" charset="0"/>
-                <a:cs typeface="Times New Roman" panose="02020603050405020304" pitchFamily="18" charset="0"/>
-              </a:rPr>
-              <a:t>Mahasiswa</a:t>
-            </a:r>
-            <a:r>
-              <a:rPr lang="en-US" sz="1200" i="1" dirty="0">
-                <a:solidFill>
-                  <a:schemeClr val="bg1"/>
-                </a:solidFill>
-                <a:effectLst/>
-                <a:latin typeface="Times New Roman" panose="02020603050405020304" pitchFamily="18" charset="0"/>
-                <a:ea typeface="Calibri" panose="020F0502020204030204" pitchFamily="34" charset="0"/>
-                <a:cs typeface="Times New Roman" panose="02020603050405020304" pitchFamily="18" charset="0"/>
-              </a:rPr>
-              <a:t> Teknik </a:t>
-            </a:r>
-            <a:r>
-              <a:rPr lang="en-US" sz="1200" i="1" dirty="0" err="1">
-                <a:solidFill>
-                  <a:schemeClr val="bg1"/>
-                </a:solidFill>
-                <a:effectLst/>
-                <a:latin typeface="Times New Roman" panose="02020603050405020304" pitchFamily="18" charset="0"/>
-                <a:ea typeface="Calibri" panose="020F0502020204030204" pitchFamily="34" charset="0"/>
-                <a:cs typeface="Times New Roman" panose="02020603050405020304" pitchFamily="18" charset="0"/>
-              </a:rPr>
-              <a:t>Informatika</a:t>
-            </a:r>
-            <a:r>
-              <a:rPr lang="en-US" sz="1200" i="1" dirty="0">
-                <a:solidFill>
-                  <a:schemeClr val="bg1"/>
-                </a:solidFill>
-                <a:effectLst/>
-                <a:latin typeface="Times New Roman" panose="02020603050405020304" pitchFamily="18" charset="0"/>
-                <a:ea typeface="Calibri" panose="020F0502020204030204" pitchFamily="34" charset="0"/>
-                <a:cs typeface="Times New Roman" panose="02020603050405020304" pitchFamily="18" charset="0"/>
-              </a:rPr>
-              <a:t>)</a:t>
-            </a:r>
-            <a:r>
-              <a:rPr lang="en-US" sz="1200" dirty="0">
-                <a:solidFill>
-                  <a:schemeClr val="bg1"/>
-                </a:solidFill>
-                <a:effectLst/>
-                <a:latin typeface="Times New Roman" panose="02020603050405020304" pitchFamily="18" charset="0"/>
-                <a:ea typeface="Calibri" panose="020F0502020204030204" pitchFamily="34" charset="0"/>
-                <a:cs typeface="Times New Roman" panose="02020603050405020304" pitchFamily="18" charset="0"/>
-              </a:rPr>
-              <a:t>, 2024, 8.3: 3802-3809.</a:t>
-            </a:r>
-            <a:endParaRPr lang="id-ID" sz="1200" dirty="0">
-              <a:solidFill>
-                <a:schemeClr val="bg1"/>
-              </a:solidFill>
-              <a:effectLst/>
-              <a:latin typeface="Calibri" panose="020F0502020204030204" pitchFamily="34" charset="0"/>
-              <a:ea typeface="Calibri" panose="020F0502020204030204" pitchFamily="34" charset="0"/>
-              <a:cs typeface="Times New Roman" panose="02020603050405020304" pitchFamily="18" charset="0"/>
-            </a:endParaRPr>
-          </a:p>
-          <a:p>
-            <a:pPr algn="just">
-              <a:lnSpc>
-                <a:spcPct val="150000"/>
-              </a:lnSpc>
-              <a:spcAft>
-                <a:spcPts val="1000"/>
-              </a:spcAft>
-            </a:pPr>
-            <a:endParaRPr lang="id-ID" sz="1800" dirty="0">
-              <a:effectLst/>
-              <a:latin typeface="Calibri" panose="020F0502020204030204" pitchFamily="34" charset="0"/>
-              <a:ea typeface="Calibri" panose="020F0502020204030204" pitchFamily="34" charset="0"/>
-              <a:cs typeface="Times New Roman" panose="02020603050405020304" pitchFamily="18" charset="0"/>
-            </a:endParaRPr>
-          </a:p>
-          <a:p>
-            <a:pPr algn="just">
-              <a:lnSpc>
-                <a:spcPct val="150000"/>
-              </a:lnSpc>
-              <a:spcAft>
-                <a:spcPts val="1000"/>
-              </a:spcAft>
-            </a:pPr>
-            <a:endParaRPr lang="id-ID" sz="1800" dirty="0">
-              <a:effectLst/>
-              <a:latin typeface="Calibri" panose="020F0502020204030204" pitchFamily="34" charset="0"/>
-              <a:ea typeface="Calibri" panose="020F0502020204030204" pitchFamily="34" charset="0"/>
-              <a:cs typeface="Times New Roman" panose="02020603050405020304" pitchFamily="18" charset="0"/>
-            </a:endParaRPr>
-          </a:p>
-          <a:p>
-            <a:pPr algn="just">
-              <a:lnSpc>
-                <a:spcPct val="150000"/>
-              </a:lnSpc>
-              <a:spcAft>
-                <a:spcPts val="1000"/>
-              </a:spcAft>
-            </a:pPr>
-            <a:endParaRPr lang="en-US" sz="1800" dirty="0">
-              <a:solidFill>
-                <a:schemeClr val="bg1"/>
-              </a:solidFill>
-              <a:effectLst/>
-              <a:latin typeface="Times New Roman" panose="02020603050405020304" pitchFamily="18" charset="0"/>
-              <a:ea typeface="Calibri" panose="020F0502020204030204" pitchFamily="34" charset="0"/>
-              <a:cs typeface="Times New Roman" panose="02020603050405020304" pitchFamily="18" charset="0"/>
-            </a:endParaRPr>
-          </a:p>
-          <a:p>
-            <a:pPr algn="just">
-              <a:lnSpc>
-                <a:spcPct val="150000"/>
-              </a:lnSpc>
-              <a:spcAft>
-                <a:spcPts val="1000"/>
-              </a:spcAft>
-            </a:pPr>
-            <a:endParaRPr lang="id-ID" sz="1800" dirty="0">
+            <a:endParaRPr lang="id-ID" sz="1000" dirty="0">
               <a:solidFill>
                 <a:schemeClr val="bg1"/>
               </a:solidFill>
@@ -10519,19 +9371,19 @@
               <a:buNone/>
             </a:pPr>
             <a:r>
-              <a:rPr lang="en" sz="2400" dirty="0"/>
+              <a:rPr lang="en" sz="1800" dirty="0"/>
               <a:t>METODE PELAKSAAN (WATERFALL)</a:t>
             </a:r>
-            <a:endParaRPr sz="2400" dirty="0"/>
+            <a:endParaRPr sz="1800" dirty="0"/>
           </a:p>
         </p:txBody>
       </p:sp>
       <p:pic>
         <p:nvPicPr>
-          <p:cNvPr id="2" name="Picture 1">
+          <p:cNvPr id="8" name="Picture 7">
             <a:extLst>
               <a:ext uri="{FF2B5EF4-FFF2-40B4-BE49-F238E27FC236}">
-                <a16:creationId xmlns:a16="http://schemas.microsoft.com/office/drawing/2014/main" id="{F790EBB6-6D5E-82F0-07E3-E12D31CE7F0E}"/>
+                <a16:creationId xmlns:a16="http://schemas.microsoft.com/office/drawing/2014/main" id="{768297FF-074C-920C-88E2-27DCD5666FA8}"/>
               </a:ext>
             </a:extLst>
           </p:cNvPr>
@@ -10541,101 +9393,15 @@
           <p:nvPr/>
         </p:nvPicPr>
         <p:blipFill>
-          <a:blip r:embed="rId3" cstate="print">
-            <a:extLst>
-              <a:ext uri="{28A0092B-C50C-407E-A947-70E740481C1C}">
-                <a14:useLocalDpi xmlns:a14="http://schemas.microsoft.com/office/drawing/2010/main" val="0"/>
-              </a:ext>
-            </a:extLst>
-          </a:blip>
-          <a:stretch>
-            <a:fillRect/>
-          </a:stretch>
-        </p:blipFill>
-        <p:spPr bwMode="auto">
-          <a:xfrm>
-            <a:off x="2478292" y="919352"/>
-            <a:ext cx="3276291" cy="1717614"/>
-          </a:xfrm>
-          <a:prstGeom prst="rect">
-            <a:avLst/>
-          </a:prstGeom>
-          <a:ln>
-            <a:noFill/>
-          </a:ln>
-          <a:extLst>
-            <a:ext uri="{53640926-AAD7-44D8-BBD7-CCE9431645EC}">
-              <a14:shadowObscured xmlns:a14="http://schemas.microsoft.com/office/drawing/2010/main"/>
-            </a:ext>
-          </a:extLst>
-        </p:spPr>
-      </p:pic>
-      <p:pic>
-        <p:nvPicPr>
-          <p:cNvPr id="3" name="Picture 2">
-            <a:extLst>
-              <a:ext uri="{FF2B5EF4-FFF2-40B4-BE49-F238E27FC236}">
-                <a16:creationId xmlns:a16="http://schemas.microsoft.com/office/drawing/2014/main" id="{C785190B-D518-7D23-31A1-C13FC677B072}"/>
-              </a:ext>
-            </a:extLst>
-          </p:cNvPr>
-          <p:cNvPicPr>
-            <a:picLocks noChangeAspect="1"/>
-          </p:cNvPicPr>
-          <p:nvPr/>
-        </p:nvPicPr>
-        <p:blipFill>
-          <a:blip r:embed="rId4">
-            <a:extLst>
-              <a:ext uri="{28A0092B-C50C-407E-A947-70E740481C1C}">
-                <a14:useLocalDpi xmlns:a14="http://schemas.microsoft.com/office/drawing/2010/main" val="0"/>
-              </a:ext>
-            </a:extLst>
-          </a:blip>
+          <a:blip r:embed="rId3"/>
           <a:stretch>
             <a:fillRect/>
           </a:stretch>
         </p:blipFill>
         <p:spPr>
           <a:xfrm>
-            <a:off x="1323474" y="2911618"/>
-            <a:ext cx="2792964" cy="1803996"/>
-          </a:xfrm>
-          <a:prstGeom prst="rect">
-            <a:avLst/>
-          </a:prstGeom>
-        </p:spPr>
-      </p:pic>
-      <p:pic>
-        <p:nvPicPr>
-          <p:cNvPr id="4" name="Picture 3">
-            <a:extLst>
-              <a:ext uri="{FF2B5EF4-FFF2-40B4-BE49-F238E27FC236}">
-                <a16:creationId xmlns:a16="http://schemas.microsoft.com/office/drawing/2014/main" id="{2091E71A-E43F-9BF5-0C6A-3EC8D1920540}"/>
-              </a:ext>
-            </a:extLst>
-          </p:cNvPr>
-          <p:cNvPicPr>
-            <a:picLocks noChangeAspect="1"/>
-          </p:cNvPicPr>
-          <p:nvPr/>
-        </p:nvPicPr>
-        <p:blipFill>
-          <a:blip r:embed="rId5">
-            <a:extLst>
-              <a:ext uri="{28A0092B-C50C-407E-A947-70E740481C1C}">
-                <a14:useLocalDpi xmlns:a14="http://schemas.microsoft.com/office/drawing/2010/main" val="0"/>
-              </a:ext>
-            </a:extLst>
-          </a:blip>
-          <a:stretch>
-            <a:fillRect/>
-          </a:stretch>
-        </p:blipFill>
-        <p:spPr>
-          <a:xfrm>
-            <a:off x="4572000" y="2911619"/>
-            <a:ext cx="3087686" cy="1746244"/>
+            <a:off x="2458345" y="644700"/>
+            <a:ext cx="4227308" cy="4379118"/>
           </a:xfrm>
           <a:prstGeom prst="rect">
             <a:avLst/>
@@ -10769,7 +9535,13 @@
   <p:cSld>
     <p:spTree>
       <p:nvGrpSpPr>
-        <p:cNvPr id="1" name="Shape 199"/>
+        <p:cNvPr id="1" name="Shape 193">
+          <a:extLst>
+            <a:ext uri="{FF2B5EF4-FFF2-40B4-BE49-F238E27FC236}">
+              <a16:creationId xmlns:a16="http://schemas.microsoft.com/office/drawing/2014/main" id="{3AB74D08-6DE9-3CD4-7AFB-4EC85C24CC2B}"/>
+            </a:ext>
+          </a:extLst>
+        </p:cNvPr>
         <p:cNvGrpSpPr/>
         <p:nvPr/>
       </p:nvGrpSpPr>
@@ -10783,7 +9555,13 @@
       </p:grpSpPr>
       <p:sp>
         <p:nvSpPr>
-          <p:cNvPr id="201" name="Google Shape;201;p42"/>
+          <p:cNvPr id="194" name="Google Shape;194;p41">
+            <a:extLst>
+              <a:ext uri="{FF2B5EF4-FFF2-40B4-BE49-F238E27FC236}">
+                <a16:creationId xmlns:a16="http://schemas.microsoft.com/office/drawing/2014/main" id="{0ED7F156-8452-D3E5-C375-421C76AFE0E7}"/>
+              </a:ext>
+            </a:extLst>
+          </p:cNvPr>
           <p:cNvSpPr txBox="1">
             <a:spLocks noGrp="1"/>
           </p:cNvSpPr>
@@ -10793,15 +9571,15 @@
         </p:nvSpPr>
         <p:spPr>
           <a:xfrm>
-            <a:off x="1850550" y="2396747"/>
-            <a:ext cx="5442900" cy="863811"/>
+            <a:off x="-780924" y="1164431"/>
+            <a:ext cx="10491535" cy="644700"/>
           </a:xfrm>
           <a:prstGeom prst="rect">
             <a:avLst/>
           </a:prstGeom>
         </p:spPr>
         <p:txBody>
-          <a:bodyPr spcFirstLastPara="1" wrap="square" lIns="91425" tIns="91425" rIns="91425" bIns="91425" anchor="t" anchorCtr="0">
+          <a:bodyPr spcFirstLastPara="1" wrap="square" lIns="91425" tIns="91425" rIns="91425" bIns="91425" anchor="b" anchorCtr="0">
             <a:noAutofit/>
           </a:bodyPr>
           <a:lstStyle/>
@@ -10816,14 +9594,81 @@
               <a:buNone/>
             </a:pPr>
             <a:r>
-              <a:rPr lang="en" dirty="0"/>
-              <a:t>TERIMAKASIH</a:t>
+              <a:rPr lang="en" sz="2800" dirty="0"/>
+              <a:t>Link Repository</a:t>
             </a:r>
-            <a:endParaRPr dirty="0"/>
+            <a:endParaRPr sz="2800" dirty="0"/>
+          </a:p>
+        </p:txBody>
+      </p:sp>
+      <p:sp>
+        <p:nvSpPr>
+          <p:cNvPr id="2" name="TextBox 1">
+            <a:extLst>
+              <a:ext uri="{FF2B5EF4-FFF2-40B4-BE49-F238E27FC236}">
+                <a16:creationId xmlns:a16="http://schemas.microsoft.com/office/drawing/2014/main" id="{84C09B3D-EFE6-1385-E670-82691D50F6F6}"/>
+              </a:ext>
+            </a:extLst>
+          </p:cNvPr>
+          <p:cNvSpPr txBox="1"/>
+          <p:nvPr/>
+        </p:nvSpPr>
+        <p:spPr>
+          <a:xfrm>
+            <a:off x="2128839" y="2016298"/>
+            <a:ext cx="5022056" cy="738664"/>
+          </a:xfrm>
+          <a:prstGeom prst="rect">
+            <a:avLst/>
+          </a:prstGeom>
+        </p:spPr>
+        <p:style>
+          <a:lnRef idx="2">
+            <a:schemeClr val="accent2">
+              <a:shade val="15000"/>
+            </a:schemeClr>
+          </a:lnRef>
+          <a:fillRef idx="1">
+            <a:schemeClr val="accent2"/>
+          </a:fillRef>
+          <a:effectRef idx="0">
+            <a:schemeClr val="accent2"/>
+          </a:effectRef>
+          <a:fontRef idx="minor">
+            <a:schemeClr val="lt1"/>
+          </a:fontRef>
+        </p:style>
+        <p:txBody>
+          <a:bodyPr wrap="square" rtlCol="0">
+            <a:spAutoFit/>
+          </a:bodyPr>
+          <a:lstStyle/>
+          <a:p>
+            <a:pPr algn="ctr"/>
+            <a:br>
+              <a:rPr lang="en-US" dirty="0">
+                <a:hlinkClick r:id="rId3"/>
+              </a:rPr>
+            </a:br>
+            <a:r>
+              <a:rPr lang="id-ID" dirty="0">
+                <a:hlinkClick r:id="rId3"/>
+              </a:rPr>
+              <a:t>https://github.com/Ghesvy1105/proyek-3</a:t>
+            </a:r>
+            <a:br>
+              <a:rPr lang="en-US" dirty="0"/>
+            </a:br>
+            <a:endParaRPr lang="en-US" dirty="0"/>
           </a:p>
         </p:txBody>
       </p:sp>
     </p:spTree>
+    <p:extLst>
+      <p:ext uri="{BB962C8B-B14F-4D97-AF65-F5344CB8AC3E}">
+        <p14:creationId xmlns:p14="http://schemas.microsoft.com/office/powerpoint/2010/main" val="1271271792"/>
+      </p:ext>
+    </p:extLst>
   </p:cSld>
   <p:clrMapOvr>
     <a:masterClrMapping/>
